--- a/doc/prezentacia.pptx
+++ b/doc/prezentacia.pptx
@@ -7,6 +7,9 @@
   <p:notesMasterIdLst>
     <p:notesMasterId r:id="rId14"/>
   </p:notesMasterIdLst>
+  <p:handoutMasterIdLst>
+    <p:handoutMasterId r:id="rId15"/>
+  </p:handoutMasterIdLst>
   <p:sldIdLst>
     <p:sldId id="256" r:id="rId2"/>
     <p:sldId id="285" r:id="rId3"/>
@@ -137,6 +140,172 @@
 </p:presentation>
 </file>
 
+<file path=ppt/handoutMasters/handoutMaster1.xml><?xml version="1.0" encoding="utf-8"?>
+<p:handoutMaster xmlns:a="http://schemas.openxmlformats.org/drawingml/2006/main" xmlns:r="http://schemas.openxmlformats.org/officeDocument/2006/relationships" xmlns:p="http://schemas.openxmlformats.org/presentationml/2006/main">
+  <p:cSld>
+    <p:bg>
+      <p:bgRef idx="1001">
+        <a:schemeClr val="bg1"/>
+      </p:bgRef>
+    </p:bg>
+    <p:spTree>
+      <p:nvGrpSpPr>
+        <p:cNvPr id="1" name=""/>
+        <p:cNvGrpSpPr/>
+        <p:nvPr/>
+      </p:nvGrpSpPr>
+      <p:grpSpPr>
+        <a:xfrm>
+          <a:off x="0" y="0"/>
+          <a:ext cx="0" cy="0"/>
+          <a:chOff x="0" y="0"/>
+          <a:chExt cx="0" cy="0"/>
+        </a:xfrm>
+      </p:grpSpPr>
+      <p:sp>
+        <p:nvSpPr>
+          <p:cNvPr id="2" name="Zástupný objekt pre hlavičku 1"/>
+          <p:cNvSpPr>
+            <a:spLocks noGrp="1"/>
+          </p:cNvSpPr>
+          <p:nvPr>
+            <p:ph type="hdr" sz="quarter"/>
+          </p:nvPr>
+        </p:nvSpPr>
+        <p:spPr>
+          <a:xfrm>
+            <a:off x="0" y="0"/>
+            <a:ext cx="2971800" cy="458788"/>
+          </a:xfrm>
+          <a:prstGeom prst="rect">
+            <a:avLst/>
+          </a:prstGeom>
+        </p:spPr>
+        <p:txBody>
+          <a:bodyPr vert="horz" lIns="91440" tIns="45720" rIns="91440" bIns="45720" rtlCol="0"/>
+          <a:lstStyle>
+            <a:lvl1pPr algn="l">
+              <a:defRPr sz="1200"/>
+            </a:lvl1pPr>
+          </a:lstStyle>
+          <a:p>
+            <a:endParaRPr lang="sk-SK"/>
+          </a:p>
+        </p:txBody>
+      </p:sp>
+      <p:sp>
+        <p:nvSpPr>
+          <p:cNvPr id="3" name="Zástupný objekt pre dátum 2"/>
+          <p:cNvSpPr>
+            <a:spLocks noGrp="1"/>
+          </p:cNvSpPr>
+          <p:nvPr>
+            <p:ph type="dt" sz="quarter" idx="1"/>
+          </p:nvPr>
+        </p:nvSpPr>
+        <p:spPr>
+          <a:xfrm>
+            <a:off x="3884613" y="0"/>
+            <a:ext cx="2971800" cy="458788"/>
+          </a:xfrm>
+          <a:prstGeom prst="rect">
+            <a:avLst/>
+          </a:prstGeom>
+        </p:spPr>
+        <p:txBody>
+          <a:bodyPr vert="horz" lIns="91440" tIns="45720" rIns="91440" bIns="45720" rtlCol="0"/>
+          <a:lstStyle>
+            <a:lvl1pPr algn="r">
+              <a:defRPr sz="1200"/>
+            </a:lvl1pPr>
+          </a:lstStyle>
+          <a:p>
+            <a:fld id="{9373430C-EB15-44B9-A246-9DA80807B355}" type="datetimeFigureOut">
+              <a:rPr lang="sk-SK" smtClean="0"/>
+              <a:t>8.12.2016</a:t>
+            </a:fld>
+            <a:endParaRPr lang="sk-SK"/>
+          </a:p>
+        </p:txBody>
+      </p:sp>
+      <p:sp>
+        <p:nvSpPr>
+          <p:cNvPr id="4" name="Zástupný objekt pre pätu 3"/>
+          <p:cNvSpPr>
+            <a:spLocks noGrp="1"/>
+          </p:cNvSpPr>
+          <p:nvPr>
+            <p:ph type="ftr" sz="quarter" idx="2"/>
+          </p:nvPr>
+        </p:nvSpPr>
+        <p:spPr>
+          <a:xfrm>
+            <a:off x="0" y="8685213"/>
+            <a:ext cx="2971800" cy="458787"/>
+          </a:xfrm>
+          <a:prstGeom prst="rect">
+            <a:avLst/>
+          </a:prstGeom>
+        </p:spPr>
+        <p:txBody>
+          <a:bodyPr vert="horz" lIns="91440" tIns="45720" rIns="91440" bIns="45720" rtlCol="0" anchor="b"/>
+          <a:lstStyle>
+            <a:lvl1pPr algn="l">
+              <a:defRPr sz="1200"/>
+            </a:lvl1pPr>
+          </a:lstStyle>
+          <a:p>
+            <a:endParaRPr lang="sk-SK"/>
+          </a:p>
+        </p:txBody>
+      </p:sp>
+      <p:sp>
+        <p:nvSpPr>
+          <p:cNvPr id="5" name="Zástupný objekt pre číslo snímky 4"/>
+          <p:cNvSpPr>
+            <a:spLocks noGrp="1"/>
+          </p:cNvSpPr>
+          <p:nvPr>
+            <p:ph type="sldNum" sz="quarter" idx="3"/>
+          </p:nvPr>
+        </p:nvSpPr>
+        <p:spPr>
+          <a:xfrm>
+            <a:off x="3884613" y="8685213"/>
+            <a:ext cx="2971800" cy="458787"/>
+          </a:xfrm>
+          <a:prstGeom prst="rect">
+            <a:avLst/>
+          </a:prstGeom>
+        </p:spPr>
+        <p:txBody>
+          <a:bodyPr vert="horz" lIns="91440" tIns="45720" rIns="91440" bIns="45720" rtlCol="0" anchor="b"/>
+          <a:lstStyle>
+            <a:lvl1pPr algn="r">
+              <a:defRPr sz="1200"/>
+            </a:lvl1pPr>
+          </a:lstStyle>
+          <a:p>
+            <a:fld id="{D1083D21-046D-47A3-B0B9-622597AA6F1B}" type="slidenum">
+              <a:rPr lang="sk-SK" smtClean="0"/>
+              <a:t>‹#›</a:t>
+            </a:fld>
+            <a:endParaRPr lang="sk-SK"/>
+          </a:p>
+        </p:txBody>
+      </p:sp>
+    </p:spTree>
+    <p:extLst>
+      <p:ext uri="{BB962C8B-B14F-4D97-AF65-F5344CB8AC3E}">
+        <p14:creationId xmlns:p14="http://schemas.microsoft.com/office/powerpoint/2010/main" val="574112180"/>
+      </p:ext>
+    </p:extLst>
+  </p:cSld>
+  <p:clrMap bg1="lt1" tx1="dk1" bg2="lt2" tx2="dk2" accent1="accent1" accent2="accent2" accent3="accent3" accent4="accent4" accent5="accent5" accent6="accent6" hlink="hlink" folHlink="folHlink"/>
+  <p:hf hdr="0" ftr="0" dt="0"/>
+</p:handoutMaster>
+</file>
+
 <file path=ppt/notesMasters/notesMaster1.xml><?xml version="1.0" encoding="utf-8"?>
 <p:notesMaster xmlns:a="http://schemas.openxmlformats.org/drawingml/2006/main" xmlns:r="http://schemas.openxmlformats.org/officeDocument/2006/relationships" xmlns:p="http://schemas.openxmlformats.org/presentationml/2006/main">
   <p:cSld>
@@ -219,7 +388,7 @@
           <a:p>
             <a:fld id="{8A47B827-01B0-40C7-BA68-3ACC7CEACCE7}" type="datetimeFigureOut">
               <a:rPr lang="cs-CZ" smtClean="0"/>
-              <a:t>06.12.2016</a:t>
+              <a:t>08.12.2016</a:t>
             </a:fld>
             <a:endParaRPr lang="cs-CZ"/>
           </a:p>
@@ -391,6 +560,7 @@
     </p:extLst>
   </p:cSld>
   <p:clrMap bg1="lt1" tx1="dk1" bg2="lt2" tx2="dk2" accent1="accent1" accent2="accent2" accent3="accent3" accent4="accent4" accent5="accent5" accent6="accent6" hlink="hlink" folHlink="folHlink"/>
+  <p:hf hdr="0" ftr="0" dt="0"/>
   <p:notesStyle>
     <a:lvl1pPr marL="0" algn="l" defTabSz="914400" rtl="0" eaLnBrk="1" latinLnBrk="0" hangingPunct="1">
       <a:defRPr sz="1200" kern="1200">
@@ -1827,6 +1997,7 @@
     <p:sldLayoutId id="2147483655" r:id="rId5"/>
     <p:sldLayoutId id="2147483656" r:id="rId6"/>
   </p:sldLayoutIdLst>
+  <p:hf hdr="0" ftr="0" dt="0"/>
   <p:txStyles>
     <p:titleStyle>
       <a:lvl1pPr algn="ctr" defTabSz="914400" rtl="0" eaLnBrk="1" latinLnBrk="0" hangingPunct="1">
@@ -2183,22 +2354,311 @@
           </a:p>
         </p:txBody>
       </p:sp>
+      <mc:AlternateContent xmlns:mc="http://schemas.openxmlformats.org/markup-compatibility/2006">
+        <mc:Choice xmlns:a14="http://schemas.microsoft.com/office/drawing/2010/main" Requires="a14">
+          <p:sp>
+            <p:nvSpPr>
+              <p:cNvPr id="3" name="Zástupný objekt pre obsah 2"/>
+              <p:cNvSpPr>
+                <a:spLocks noGrp="1"/>
+              </p:cNvSpPr>
+              <p:nvPr>
+                <p:ph idx="1"/>
+              </p:nvPr>
+            </p:nvSpPr>
+            <p:spPr/>
+            <p:txBody>
+              <a:bodyPr/>
+              <a:lstStyle/>
+              <a:p>
+                <a:pPr marL="457200" indent="-457200" algn="l">
+                  <a:buFont typeface="Arial" panose="020B0604020202020204" pitchFamily="34" charset="0"/>
+                  <a:buChar char="•"/>
+                </a:pPr>
+                <a:r>
+                  <a:rPr lang="en-US" dirty="0"/>
+                  <a:t>Nestabiln</a:t>
+                </a:r>
+                <a:r>
+                  <a:rPr lang="sk-SK" dirty="0"/>
+                  <a:t>ý, neprirodzený algoritmus radenia</a:t>
+                </a:r>
+              </a:p>
+              <a:p>
+                <a:pPr marL="457200" indent="-457200" algn="l">
+                  <a:buFont typeface="Arial" panose="020B0604020202020204" pitchFamily="34" charset="0"/>
+                  <a:buChar char="•"/>
+                </a:pPr>
+                <a:r>
+                  <a:rPr lang="sk-SK" dirty="0"/>
+                  <a:t>Priemerná časová </a:t>
+                </a:r>
+              </a:p>
+              <a:p>
+                <a:pPr algn="l"/>
+                <a:r>
+                  <a:rPr lang="sk-SK" dirty="0"/>
+                  <a:t>     zložitosť </a:t>
+                </a:r>
+                <a14:m>
+                  <m:oMath xmlns:m="http://schemas.openxmlformats.org/officeDocument/2006/math">
+                    <m:r>
+                      <a:rPr lang="sk-SK" i="1"/>
+                      <m:t>𝑂</m:t>
+                    </m:r>
+                    <m:r>
+                      <a:rPr lang="sk-SK" i="1"/>
+                      <m:t>(</m:t>
+                    </m:r>
+                    <m:r>
+                      <a:rPr lang="sk-SK" i="1"/>
+                      <m:t>𝑛</m:t>
+                    </m:r>
+                    <m:r>
+                      <a:rPr lang="sk-SK" i="1"/>
+                      <m:t>∗</m:t>
+                    </m:r>
+                    <m:func>
+                      <m:funcPr>
+                        <m:ctrlPr>
+                          <a:rPr lang="sk-SK" i="1"/>
+                        </m:ctrlPr>
+                      </m:funcPr>
+                      <m:fName>
+                        <m:r>
+                          <m:rPr>
+                            <m:sty m:val="p"/>
+                          </m:rPr>
+                          <a:rPr lang="sk-SK"/>
+                          <m:t>log</m:t>
+                        </m:r>
+                      </m:fName>
+                      <m:e>
+                        <m:r>
+                          <a:rPr lang="sk-SK" i="1"/>
+                          <m:t>𝑛</m:t>
+                        </m:r>
+                      </m:e>
+                    </m:func>
+                    <m:r>
+                      <a:rPr lang="sk-SK" i="1"/>
+                      <m:t>)</m:t>
+                    </m:r>
+                  </m:oMath>
+                </a14:m>
+                <a:endParaRPr lang="sk-SK" dirty="0"/>
+              </a:p>
+              <a:p>
+                <a:pPr marL="457200" indent="-457200" algn="l">
+                  <a:buFont typeface="Arial" panose="020B0604020202020204" pitchFamily="34" charset="0"/>
+                  <a:buChar char="•"/>
+                </a:pPr>
+                <a:r>
+                  <a:rPr lang="sk-SK" dirty="0"/>
+                  <a:t>Najhoršia časová </a:t>
+                </a:r>
+              </a:p>
+              <a:p>
+                <a:pPr algn="l"/>
+                <a:r>
+                  <a:rPr lang="sk-SK" dirty="0"/>
+                  <a:t>     zložitosť </a:t>
+                </a:r>
+                <a14:m>
+                  <m:oMath xmlns:m="http://schemas.openxmlformats.org/officeDocument/2006/math">
+                    <m:r>
+                      <a:rPr lang="sk-SK" i="1"/>
+                      <m:t>𝑂</m:t>
+                    </m:r>
+                    <m:r>
+                      <a:rPr lang="sk-SK" i="1"/>
+                      <m:t>(</m:t>
+                    </m:r>
+                    <m:sSup>
+                      <m:sSupPr>
+                        <m:ctrlPr>
+                          <a:rPr lang="sk-SK" i="1"/>
+                        </m:ctrlPr>
+                      </m:sSupPr>
+                      <m:e>
+                        <m:r>
+                          <a:rPr lang="sk-SK" i="1"/>
+                          <m:t>𝑛</m:t>
+                        </m:r>
+                      </m:e>
+                      <m:sup>
+                        <m:r>
+                          <a:rPr lang="sk-SK" i="1"/>
+                          <m:t>2</m:t>
+                        </m:r>
+                      </m:sup>
+                    </m:sSup>
+                    <m:r>
+                      <a:rPr lang="sk-SK" i="1"/>
+                      <m:t>)</m:t>
+                    </m:r>
+                  </m:oMath>
+                </a14:m>
+                <a:r>
+                  <a:rPr lang="sk-SK" dirty="0"/>
+                  <a:t> </a:t>
+                </a:r>
+              </a:p>
+              <a:p>
+                <a:pPr marL="457200" indent="-457200" algn="l">
+                  <a:buFont typeface="Arial" panose="020B0604020202020204" pitchFamily="34" charset="0"/>
+                  <a:buChar char="•"/>
+                </a:pPr>
+                <a:r>
+                  <a:rPr lang="sk-SK"/>
+                  <a:t>Výber pivotu</a:t>
+                </a:r>
+                <a:endParaRPr lang="sk-SK" dirty="0"/>
+              </a:p>
+            </p:txBody>
+          </p:sp>
+        </mc:Choice>
+        <mc:Fallback>
+          <p:sp>
+            <p:nvSpPr>
+              <p:cNvPr id="3" name="Zástupný objekt pre obsah 2"/>
+              <p:cNvSpPr>
+                <a:spLocks noGrp="1" noRot="1" noChangeAspect="1" noMove="1" noResize="1" noEditPoints="1" noAdjustHandles="1" noChangeArrowheads="1" noChangeShapeType="1" noTextEdit="1"/>
+              </p:cNvSpPr>
+              <p:nvPr>
+                <p:ph idx="1"/>
+              </p:nvPr>
+            </p:nvSpPr>
+            <p:spPr>
+              <a:blipFill>
+                <a:blip r:embed="rId2"/>
+                <a:stretch>
+                  <a:fillRect l="-1333" t="-1482"/>
+                </a:stretch>
+              </a:blipFill>
+            </p:spPr>
+            <p:txBody>
+              <a:bodyPr/>
+              <a:lstStyle/>
+              <a:p>
+                <a:r>
+                  <a:rPr lang="sk-SK">
+                    <a:noFill/>
+                  </a:rPr>
+                  <a:t> </a:t>
+                </a:r>
+              </a:p>
+            </p:txBody>
+          </p:sp>
+        </mc:Fallback>
+      </mc:AlternateContent>
       <p:sp>
         <p:nvSpPr>
-          <p:cNvPr id="3" name="Zástupný objekt pre obsah 2"/>
-          <p:cNvSpPr>
-            <a:spLocks noGrp="1"/>
-          </p:cNvSpPr>
-          <p:nvPr>
-            <p:ph idx="1"/>
-          </p:nvPr>
+          <p:cNvPr id="5" name="Obdĺžnik 4"/>
+          <p:cNvSpPr/>
+          <p:nvPr/>
         </p:nvSpPr>
-        <p:spPr/>
+        <p:spPr>
+          <a:xfrm>
+            <a:off x="1115616" y="6031983"/>
+            <a:ext cx="9270776" cy="307777"/>
+          </a:xfrm>
+          <a:prstGeom prst="rect">
+            <a:avLst/>
+          </a:prstGeom>
+        </p:spPr>
         <p:txBody>
-          <a:bodyPr/>
+          <a:bodyPr wrap="square">
+            <a:spAutoFit/>
+          </a:bodyPr>
           <a:lstStyle/>
           <a:p>
-            <a:endParaRPr lang="sk-SK" dirty="0"/>
+            <a:r>
+              <a:rPr lang="sk-SK" sz="1400" dirty="0">
+                <a:hlinkClick r:id="rId3"/>
+              </a:rPr>
+              <a:t>http://www.programmingboss.com/2016/02/quick-sort-algorithm-implementation-in.html</a:t>
+            </a:r>
+            <a:r>
+              <a:rPr lang="sk-SK" sz="1400" dirty="0"/>
+              <a:t> </a:t>
+            </a:r>
+            <a:r>
+              <a:rPr lang="en-US" sz="1400" dirty="0"/>
+              <a:t>[6.12.2016]</a:t>
+            </a:r>
+            <a:r>
+              <a:rPr lang="sk-SK" sz="1400" dirty="0"/>
+              <a:t> </a:t>
+            </a:r>
+            <a:endParaRPr lang="sk-SK" sz="1400" dirty="0"/>
+          </a:p>
+        </p:txBody>
+      </p:sp>
+      <p:pic>
+        <p:nvPicPr>
+          <p:cNvPr id="6" name="Obrázok 5"/>
+          <p:cNvPicPr>
+            <a:picLocks noChangeAspect="1"/>
+          </p:cNvPicPr>
+          <p:nvPr/>
+        </p:nvPicPr>
+        <p:blipFill>
+          <a:blip r:embed="rId4">
+            <a:extLst>
+              <a:ext uri="{28A0092B-C50C-407E-A947-70E740481C1C}">
+                <a14:useLocalDpi xmlns:a14="http://schemas.microsoft.com/office/drawing/2010/main" val="0"/>
+              </a:ext>
+            </a:extLst>
+          </a:blip>
+          <a:stretch>
+            <a:fillRect/>
+          </a:stretch>
+        </p:blipFill>
+        <p:spPr>
+          <a:xfrm>
+            <a:off x="4330537" y="2204863"/>
+            <a:ext cx="4813464" cy="3718093"/>
+          </a:xfrm>
+          <a:prstGeom prst="rect">
+            <a:avLst/>
+          </a:prstGeom>
+        </p:spPr>
+      </p:pic>
+      <p:sp>
+        <p:nvSpPr>
+          <p:cNvPr id="7" name="BlokTextu 6"/>
+          <p:cNvSpPr txBox="1"/>
+          <p:nvPr/>
+        </p:nvSpPr>
+        <p:spPr>
+          <a:xfrm>
+            <a:off x="8460432" y="33672"/>
+            <a:ext cx="1115616" cy="369332"/>
+          </a:xfrm>
+          <a:prstGeom prst="rect">
+            <a:avLst/>
+          </a:prstGeom>
+          <a:noFill/>
+        </p:spPr>
+        <p:txBody>
+          <a:bodyPr wrap="square" rtlCol="0">
+            <a:spAutoFit/>
+          </a:bodyPr>
+          <a:lstStyle/>
+          <a:p>
+            <a:r>
+              <a:rPr lang="sk-SK" dirty="0"/>
+              <a:t>9</a:t>
+            </a:r>
+            <a:r>
+              <a:rPr lang="en-US" dirty="0"/>
+              <a:t>/1</a:t>
+            </a:r>
+            <a:r>
+              <a:rPr lang="sk-SK" dirty="0"/>
+              <a:t>0</a:t>
+            </a:r>
           </a:p>
         </p:txBody>
       </p:sp>
@@ -2242,7 +2702,12 @@
             <p:ph type="title"/>
           </p:nvPr>
         </p:nvSpPr>
-        <p:spPr/>
+        <p:spPr>
+          <a:xfrm>
+            <a:off x="582960" y="381779"/>
+            <a:ext cx="8229600" cy="1143000"/>
+          </a:xfrm>
+        </p:spPr>
         <p:txBody>
           <a:bodyPr/>
           <a:lstStyle/>
@@ -2254,63 +2719,274 @@
           </a:p>
         </p:txBody>
       </p:sp>
+      <mc:AlternateContent xmlns:mc="http://schemas.openxmlformats.org/markup-compatibility/2006">
+        <mc:Choice xmlns:a14="http://schemas.microsoft.com/office/drawing/2010/main" Requires="a14">
+          <p:sp>
+            <p:nvSpPr>
+              <p:cNvPr id="3" name="Zástupný objekt pre obsah 2"/>
+              <p:cNvSpPr>
+                <a:spLocks noGrp="1"/>
+              </p:cNvSpPr>
+              <p:nvPr>
+                <p:ph idx="1"/>
+              </p:nvPr>
+            </p:nvSpPr>
+            <p:spPr>
+              <a:xfrm>
+                <a:off x="582960" y="1707341"/>
+                <a:ext cx="8229600" cy="4525963"/>
+              </a:xfrm>
+            </p:spPr>
+            <p:txBody>
+              <a:bodyPr/>
+              <a:lstStyle/>
+              <a:p>
+                <a:pPr marL="457200" indent="-457200" algn="l">
+                  <a:buFont typeface="Arial" panose="020B0604020202020204" pitchFamily="34" charset="0"/>
+                  <a:buChar char="•"/>
+                </a:pPr>
+                <a:r>
+                  <a:rPr lang="sk-SK" dirty="0"/>
+                  <a:t>Pole </a:t>
+                </a:r>
+                <a:r>
+                  <a:rPr lang="sk-SK" dirty="0" err="1"/>
+                  <a:t>ukazateľov</a:t>
+                </a:r>
+                <a:r>
+                  <a:rPr lang="sk-SK" dirty="0"/>
+                  <a:t> na jednosmerne viazané zoznamy</a:t>
+                </a:r>
+              </a:p>
+              <a:p>
+                <a:pPr marL="457200" indent="-457200" algn="l">
+                  <a:buFont typeface="Arial" panose="020B0604020202020204" pitchFamily="34" charset="0"/>
+                  <a:buChar char="•"/>
+                </a:pPr>
+                <a:r>
+                  <a:rPr lang="sk-SK" dirty="0"/>
+                  <a:t>Priemerná časová zložitosť</a:t>
+                </a:r>
+              </a:p>
+              <a:p>
+                <a:pPr algn="l"/>
+                <a:r>
+                  <a:rPr lang="sk-SK" dirty="0"/>
+                  <a:t>     </a:t>
+                </a:r>
+                <a14:m>
+                  <m:oMath xmlns:m="http://schemas.openxmlformats.org/officeDocument/2006/math">
+                    <m:r>
+                      <a:rPr lang="sk-SK" i="1"/>
+                      <m:t>𝑂</m:t>
+                    </m:r>
+                    <m:r>
+                      <a:rPr lang="sk-SK" i="1"/>
+                      <m:t>(1)</m:t>
+                    </m:r>
+                  </m:oMath>
+                </a14:m>
+                <a:r>
+                  <a:rPr lang="sk-SK" dirty="0"/>
+                  <a:t> </a:t>
+                </a:r>
+              </a:p>
+              <a:p>
+                <a:pPr marL="457200" indent="-457200" algn="l">
+                  <a:buFont typeface="Arial" panose="020B0604020202020204" pitchFamily="34" charset="0"/>
+                  <a:buChar char="•"/>
+                </a:pPr>
+                <a:r>
+                  <a:rPr lang="sk-SK" dirty="0"/>
+                  <a:t>Najhoršia časová</a:t>
+                </a:r>
+              </a:p>
+              <a:p>
+                <a:pPr algn="l"/>
+                <a:r>
+                  <a:rPr lang="sk-SK" dirty="0"/>
+                  <a:t>     zložitosť </a:t>
+                </a:r>
+                <a14:m>
+                  <m:oMath xmlns:m="http://schemas.openxmlformats.org/officeDocument/2006/math">
+                    <m:r>
+                      <a:rPr lang="sk-SK" i="1"/>
+                      <m:t>𝑂</m:t>
+                    </m:r>
+                    <m:r>
+                      <a:rPr lang="sk-SK" b="0" i="1" smtClean="0">
+                        <a:latin typeface="Cambria Math" panose="02040503050406030204" pitchFamily="18" charset="0"/>
+                      </a:rPr>
+                      <m:t>(</m:t>
+                    </m:r>
+                    <m:r>
+                      <a:rPr lang="sk-SK" b="0" i="1" smtClean="0">
+                        <a:latin typeface="Cambria Math" panose="02040503050406030204" pitchFamily="18" charset="0"/>
+                      </a:rPr>
+                      <m:t>𝑛</m:t>
+                    </m:r>
+                    <m:r>
+                      <a:rPr lang="sk-SK" i="1"/>
+                      <m:t>)</m:t>
+                    </m:r>
+                  </m:oMath>
+                </a14:m>
+                <a:endParaRPr lang="sk-SK" dirty="0"/>
+              </a:p>
+              <a:p>
+                <a:pPr marL="457200" indent="-457200" algn="l">
+                  <a:buFont typeface="Arial" panose="020B0604020202020204" pitchFamily="34" charset="0"/>
+                  <a:buChar char="•"/>
+                </a:pPr>
+                <a:r>
+                  <a:rPr lang="sk-SK" dirty="0"/>
+                  <a:t>Jediná tabuľka symbolov </a:t>
+                </a:r>
+                <a:endParaRPr lang="sk-SK" dirty="0"/>
+              </a:p>
+            </p:txBody>
+          </p:sp>
+        </mc:Choice>
+        <mc:Fallback>
+          <p:sp>
+            <p:nvSpPr>
+              <p:cNvPr id="3" name="Zástupný objekt pre obsah 2"/>
+              <p:cNvSpPr>
+                <a:spLocks noGrp="1" noRot="1" noChangeAspect="1" noMove="1" noResize="1" noEditPoints="1" noAdjustHandles="1" noChangeArrowheads="1" noChangeShapeType="1" noTextEdit="1"/>
+              </p:cNvSpPr>
+              <p:nvPr>
+                <p:ph idx="1"/>
+              </p:nvPr>
+            </p:nvSpPr>
+            <p:spPr>
+              <a:xfrm>
+                <a:off x="582960" y="1707341"/>
+                <a:ext cx="8229600" cy="4525963"/>
+              </a:xfrm>
+              <a:blipFill>
+                <a:blip r:embed="rId2"/>
+                <a:stretch>
+                  <a:fillRect l="-1333" t="-1346"/>
+                </a:stretch>
+              </a:blipFill>
+            </p:spPr>
+            <p:txBody>
+              <a:bodyPr/>
+              <a:lstStyle/>
+              <a:p>
+                <a:r>
+                  <a:rPr lang="sk-SK">
+                    <a:noFill/>
+                  </a:rPr>
+                  <a:t> </a:t>
+                </a:r>
+              </a:p>
+            </p:txBody>
+          </p:sp>
+        </mc:Fallback>
+      </mc:AlternateContent>
       <p:sp>
         <p:nvSpPr>
-          <p:cNvPr id="3" name="Zástupný objekt pre obsah 2"/>
-          <p:cNvSpPr>
-            <a:spLocks noGrp="1"/>
-          </p:cNvSpPr>
-          <p:nvPr>
-            <p:ph idx="1"/>
-          </p:nvPr>
+          <p:cNvPr id="5" name="Obdĺžnik 4"/>
+          <p:cNvSpPr/>
+          <p:nvPr/>
         </p:nvSpPr>
-        <p:spPr/>
+        <p:spPr>
+          <a:xfrm>
+            <a:off x="3059832" y="6079415"/>
+            <a:ext cx="7542584" cy="307777"/>
+          </a:xfrm>
+          <a:prstGeom prst="rect">
+            <a:avLst/>
+          </a:prstGeom>
+        </p:spPr>
         <p:txBody>
-          <a:bodyPr/>
+          <a:bodyPr wrap="square">
+            <a:spAutoFit/>
+          </a:bodyPr>
           <a:lstStyle/>
           <a:p>
-            <a:pPr marL="457200" indent="-457200" algn="l">
-              <a:buFont typeface="Arial" panose="020B0604020202020204" pitchFamily="34" charset="0"/>
-              <a:buChar char="•"/>
-            </a:pPr>
-            <a:r>
-              <a:rPr lang="sk-SK" dirty="0" err="1"/>
-              <a:t>Hashovacia</a:t>
-            </a:r>
+            <a:r>
+              <a:rPr lang="sk-SK" sz="1400" dirty="0">
+                <a:hlinkClick r:id="rId3"/>
+              </a:rPr>
+              <a:t>http://vhanda.in/blog/images/2012/07/19/normal-hash-table.png</a:t>
+            </a:r>
+            <a:r>
+              <a:rPr lang="sk-SK" sz="1400" dirty="0"/>
+              <a:t> </a:t>
+            </a:r>
+            <a:r>
+              <a:rPr lang="en-US" sz="1400" dirty="0"/>
+              <a:t>[6.12.2016]</a:t>
+            </a:r>
+            <a:endParaRPr lang="sk-SK" sz="1400" dirty="0"/>
+          </a:p>
+        </p:txBody>
+      </p:sp>
+      <p:pic>
+        <p:nvPicPr>
+          <p:cNvPr id="6" name="Obrázok 5"/>
+          <p:cNvPicPr>
+            <a:picLocks noChangeAspect="1"/>
+          </p:cNvPicPr>
+          <p:nvPr/>
+        </p:nvPicPr>
+        <p:blipFill>
+          <a:blip r:embed="rId4">
+            <a:extLst>
+              <a:ext uri="{28A0092B-C50C-407E-A947-70E740481C1C}">
+                <a14:useLocalDpi xmlns:a14="http://schemas.microsoft.com/office/drawing/2010/main" val="0"/>
+              </a:ext>
+            </a:extLst>
+          </a:blip>
+          <a:stretch>
+            <a:fillRect/>
+          </a:stretch>
+        </p:blipFill>
+        <p:spPr>
+          <a:xfrm>
+            <a:off x="4402094" y="2660502"/>
+            <a:ext cx="4741906" cy="3236351"/>
+          </a:xfrm>
+          <a:prstGeom prst="rect">
+            <a:avLst/>
+          </a:prstGeom>
+        </p:spPr>
+      </p:pic>
+      <p:sp>
+        <p:nvSpPr>
+          <p:cNvPr id="7" name="BlokTextu 6"/>
+          <p:cNvSpPr txBox="1"/>
+          <p:nvPr/>
+        </p:nvSpPr>
+        <p:spPr>
+          <a:xfrm>
+            <a:off x="8460432" y="33672"/>
+            <a:ext cx="1115616" cy="369332"/>
+          </a:xfrm>
+          <a:prstGeom prst="rect">
+            <a:avLst/>
+          </a:prstGeom>
+          <a:noFill/>
+        </p:spPr>
+        <p:txBody>
+          <a:bodyPr wrap="square" rtlCol="0">
+            <a:spAutoFit/>
+          </a:bodyPr>
+          <a:lstStyle/>
+          <a:p>
             <a:r>
               <a:rPr lang="sk-SK" dirty="0"/>
-              <a:t> funkcia</a:t>
+              <a:t>10</a:t>
             </a:r>
             <a:r>
               <a:rPr lang="en-US" dirty="0"/>
-              <a:t> ----</a:t>
-            </a:r>
-            <a:endParaRPr lang="sk-SK" dirty="0"/>
-          </a:p>
-          <a:p>
-            <a:pPr marL="457200" indent="-457200" algn="l">
-              <a:buFont typeface="Arial" panose="020B0604020202020204" pitchFamily="34" charset="0"/>
-              <a:buChar char="•"/>
-            </a:pPr>
+              <a:t>/1</a:t>
+            </a:r>
             <a:r>
               <a:rPr lang="sk-SK" dirty="0"/>
-              <a:t>Pole </a:t>
-            </a:r>
-            <a:r>
-              <a:rPr lang="sk-SK" dirty="0" err="1"/>
-              <a:t>ukaz</a:t>
-            </a:r>
-            <a:r>
-              <a:rPr lang="en-US" dirty="0" err="1"/>
-              <a:t>ov</a:t>
-            </a:r>
-            <a:r>
-              <a:rPr lang="sk-SK" dirty="0" err="1"/>
-              <a:t>ateľov</a:t>
-            </a:r>
-            <a:r>
-              <a:rPr lang="sk-SK" dirty="0"/>
-              <a:t> na jednosmerne viazané zoznamy</a:t>
+              <a:t>0</a:t>
             </a:r>
           </a:p>
         </p:txBody>
@@ -2792,6 +3468,39 @@
           </a:p>
           <a:p>
             <a:endParaRPr lang="sk-SK" dirty="0"/>
+          </a:p>
+        </p:txBody>
+      </p:sp>
+      <p:sp>
+        <p:nvSpPr>
+          <p:cNvPr id="4" name="BlokTextu 3"/>
+          <p:cNvSpPr txBox="1"/>
+          <p:nvPr/>
+        </p:nvSpPr>
+        <p:spPr>
+          <a:xfrm>
+            <a:off x="8460432" y="33672"/>
+            <a:ext cx="1115616" cy="369332"/>
+          </a:xfrm>
+          <a:prstGeom prst="rect">
+            <a:avLst/>
+          </a:prstGeom>
+          <a:noFill/>
+        </p:spPr>
+        <p:txBody>
+          <a:bodyPr wrap="square" rtlCol="0">
+            <a:spAutoFit/>
+          </a:bodyPr>
+          <a:lstStyle/>
+          <a:p>
+            <a:r>
+              <a:rPr lang="en-US" dirty="0"/>
+              <a:t>2/1</a:t>
+            </a:r>
+            <a:r>
+              <a:rPr lang="sk-SK" dirty="0"/>
+              <a:t>0</a:t>
+            </a:r>
           </a:p>
         </p:txBody>
       </p:sp>
@@ -4259,6 +4968,43 @@
           </a:p>
         </p:txBody>
       </p:sp>
+      <p:sp>
+        <p:nvSpPr>
+          <p:cNvPr id="20" name="BlokTextu 19"/>
+          <p:cNvSpPr txBox="1"/>
+          <p:nvPr/>
+        </p:nvSpPr>
+        <p:spPr>
+          <a:xfrm>
+            <a:off x="8460432" y="33672"/>
+            <a:ext cx="1115616" cy="369332"/>
+          </a:xfrm>
+          <a:prstGeom prst="rect">
+            <a:avLst/>
+          </a:prstGeom>
+          <a:noFill/>
+        </p:spPr>
+        <p:txBody>
+          <a:bodyPr wrap="square" rtlCol="0">
+            <a:spAutoFit/>
+          </a:bodyPr>
+          <a:lstStyle/>
+          <a:p>
+            <a:r>
+              <a:rPr lang="sk-SK" dirty="0"/>
+              <a:t>3</a:t>
+            </a:r>
+            <a:r>
+              <a:rPr lang="en-US" dirty="0"/>
+              <a:t>/1</a:t>
+            </a:r>
+            <a:r>
+              <a:rPr lang="sk-SK" dirty="0"/>
+              <a:t>0</a:t>
+            </a:r>
+          </a:p>
+        </p:txBody>
+      </p:sp>
     </p:spTree>
     <p:extLst>
       <p:ext uri="{BB962C8B-B14F-4D97-AF65-F5344CB8AC3E}">
@@ -4745,6 +5491,35 @@
           </a:fontRef>
         </p:style>
       </p:cxnSp>
+      <p:sp>
+        <p:nvSpPr>
+          <p:cNvPr id="8" name="BlokTextu 7"/>
+          <p:cNvSpPr txBox="1"/>
+          <p:nvPr/>
+        </p:nvSpPr>
+        <p:spPr>
+          <a:xfrm>
+            <a:off x="8460432" y="33672"/>
+            <a:ext cx="1115616" cy="369332"/>
+          </a:xfrm>
+          <a:prstGeom prst="rect">
+            <a:avLst/>
+          </a:prstGeom>
+          <a:noFill/>
+        </p:spPr>
+        <p:txBody>
+          <a:bodyPr wrap="square" rtlCol="0">
+            <a:spAutoFit/>
+          </a:bodyPr>
+          <a:lstStyle/>
+          <a:p>
+            <a:r>
+              <a:rPr lang="sk-SK" dirty="0"/>
+              <a:t>4/10</a:t>
+            </a:r>
+          </a:p>
+        </p:txBody>
+      </p:sp>
     </p:spTree>
     <p:extLst>
       <p:ext uri="{BB962C8B-B14F-4D97-AF65-F5344CB8AC3E}">
@@ -5389,6 +6164,43 @@
           </a:p>
         </p:txBody>
       </p:sp>
+      <p:sp>
+        <p:nvSpPr>
+          <p:cNvPr id="14" name="BlokTextu 13"/>
+          <p:cNvSpPr txBox="1"/>
+          <p:nvPr/>
+        </p:nvSpPr>
+        <p:spPr>
+          <a:xfrm>
+            <a:off x="8460432" y="33672"/>
+            <a:ext cx="1115616" cy="369332"/>
+          </a:xfrm>
+          <a:prstGeom prst="rect">
+            <a:avLst/>
+          </a:prstGeom>
+          <a:noFill/>
+        </p:spPr>
+        <p:txBody>
+          <a:bodyPr wrap="square" rtlCol="0">
+            <a:spAutoFit/>
+          </a:bodyPr>
+          <a:lstStyle/>
+          <a:p>
+            <a:r>
+              <a:rPr lang="sk-SK" dirty="0"/>
+              <a:t>5</a:t>
+            </a:r>
+            <a:r>
+              <a:rPr lang="en-US" dirty="0"/>
+              <a:t>/1</a:t>
+            </a:r>
+            <a:r>
+              <a:rPr lang="sk-SK" dirty="0"/>
+              <a:t>0</a:t>
+            </a:r>
+          </a:p>
+        </p:txBody>
+      </p:sp>
     </p:spTree>
     <p:extLst>
       <p:ext uri="{BB962C8B-B14F-4D97-AF65-F5344CB8AC3E}">
@@ -5903,6 +6715,43 @@
           </a:p>
         </p:txBody>
       </p:sp>
+      <p:sp>
+        <p:nvSpPr>
+          <p:cNvPr id="9" name="BlokTextu 8"/>
+          <p:cNvSpPr txBox="1"/>
+          <p:nvPr/>
+        </p:nvSpPr>
+        <p:spPr>
+          <a:xfrm>
+            <a:off x="8460432" y="33672"/>
+            <a:ext cx="1115616" cy="369332"/>
+          </a:xfrm>
+          <a:prstGeom prst="rect">
+            <a:avLst/>
+          </a:prstGeom>
+          <a:noFill/>
+        </p:spPr>
+        <p:txBody>
+          <a:bodyPr wrap="square" rtlCol="0">
+            <a:spAutoFit/>
+          </a:bodyPr>
+          <a:lstStyle/>
+          <a:p>
+            <a:r>
+              <a:rPr lang="sk-SK" dirty="0"/>
+              <a:t>6</a:t>
+            </a:r>
+            <a:r>
+              <a:rPr lang="en-US" dirty="0"/>
+              <a:t>/1</a:t>
+            </a:r>
+            <a:r>
+              <a:rPr lang="sk-SK" dirty="0"/>
+              <a:t>0</a:t>
+            </a:r>
+          </a:p>
+        </p:txBody>
+      </p:sp>
     </p:spTree>
     <p:extLst>
       <p:ext uri="{BB962C8B-B14F-4D97-AF65-F5344CB8AC3E}">
@@ -6691,6 +7540,43 @@
           </a:p>
         </p:txBody>
       </p:sp>
+      <p:sp>
+        <p:nvSpPr>
+          <p:cNvPr id="13" name="BlokTextu 12"/>
+          <p:cNvSpPr txBox="1"/>
+          <p:nvPr/>
+        </p:nvSpPr>
+        <p:spPr>
+          <a:xfrm>
+            <a:off x="8460432" y="33672"/>
+            <a:ext cx="1115616" cy="369332"/>
+          </a:xfrm>
+          <a:prstGeom prst="rect">
+            <a:avLst/>
+          </a:prstGeom>
+          <a:noFill/>
+        </p:spPr>
+        <p:txBody>
+          <a:bodyPr wrap="square" rtlCol="0">
+            <a:spAutoFit/>
+          </a:bodyPr>
+          <a:lstStyle/>
+          <a:p>
+            <a:r>
+              <a:rPr lang="sk-SK" dirty="0"/>
+              <a:t>7</a:t>
+            </a:r>
+            <a:r>
+              <a:rPr lang="en-US" dirty="0"/>
+              <a:t>/1</a:t>
+            </a:r>
+            <a:r>
+              <a:rPr lang="sk-SK" dirty="0"/>
+              <a:t>0</a:t>
+            </a:r>
+          </a:p>
+        </p:txBody>
+      </p:sp>
     </p:spTree>
     <p:extLst>
       <p:ext uri="{BB962C8B-B14F-4D97-AF65-F5344CB8AC3E}">
@@ -6752,32 +7638,156 @@
           </a:p>
         </p:txBody>
       </p:sp>
-      <p:sp>
-        <p:nvSpPr>
-          <p:cNvPr id="3" name="Zástupný objekt pre obsah 2"/>
-          <p:cNvSpPr>
-            <a:spLocks noGrp="1"/>
-          </p:cNvSpPr>
-          <p:nvPr>
-            <p:ph idx="1"/>
-          </p:nvPr>
-        </p:nvSpPr>
-        <p:spPr/>
-        <p:txBody>
-          <a:bodyPr/>
-          <a:lstStyle/>
-          <a:p>
-            <a:pPr marL="457200" indent="-457200" algn="l">
-              <a:buFont typeface="Arial" panose="020B0604020202020204" pitchFamily="34" charset="0"/>
-              <a:buChar char="•"/>
-            </a:pPr>
-            <a:r>
-              <a:rPr lang="sk-SK" dirty="0"/>
-              <a:t>TODO</a:t>
-            </a:r>
-          </a:p>
-        </p:txBody>
-      </p:sp>
+      <mc:AlternateContent xmlns:mc="http://schemas.openxmlformats.org/markup-compatibility/2006">
+        <mc:Choice xmlns:a14="http://schemas.microsoft.com/office/drawing/2010/main" Requires="a14">
+          <p:sp>
+            <p:nvSpPr>
+              <p:cNvPr id="3" name="Zástupný objekt pre obsah 2"/>
+              <p:cNvSpPr>
+                <a:spLocks noGrp="1"/>
+              </p:cNvSpPr>
+              <p:nvPr>
+                <p:ph idx="1"/>
+              </p:nvPr>
+            </p:nvSpPr>
+            <p:spPr>
+              <a:xfrm>
+                <a:off x="120787" y="1786871"/>
+                <a:ext cx="8229600" cy="4525963"/>
+              </a:xfrm>
+            </p:spPr>
+            <p:txBody>
+              <a:bodyPr/>
+              <a:lstStyle/>
+              <a:p>
+                <a:pPr marL="457200" indent="-457200" algn="l">
+                  <a:buFont typeface="Arial" panose="020B0604020202020204" pitchFamily="34" charset="0"/>
+                  <a:buChar char="•"/>
+                </a:pPr>
+                <a:r>
+                  <a:rPr lang="sk-SK" dirty="0"/>
+                  <a:t>Porovnávanie rovnakých znakov len raz</a:t>
+                </a:r>
+              </a:p>
+              <a:p>
+                <a:pPr marL="457200" indent="-457200" algn="l">
+                  <a:buFont typeface="Arial" panose="020B0604020202020204" pitchFamily="34" charset="0"/>
+                  <a:buChar char="•"/>
+                </a:pPr>
+                <a:r>
+                  <a:rPr lang="sk-SK" dirty="0"/>
+                  <a:t>Pomocná tabuľka</a:t>
+                </a:r>
+              </a:p>
+              <a:p>
+                <a:pPr marL="457200" indent="-457200" algn="l">
+                  <a:buFont typeface="Arial" panose="020B0604020202020204" pitchFamily="34" charset="0"/>
+                  <a:buChar char="•"/>
+                </a:pPr>
+                <a:r>
+                  <a:rPr lang="sk-SK" dirty="0"/>
+                  <a:t>Spracovanie reťazca</a:t>
+                </a:r>
+              </a:p>
+              <a:p>
+                <a:pPr algn="l"/>
+                <a:r>
+                  <a:rPr lang="sk-SK" dirty="0"/>
+                  <a:t>     pred vyhľadávaním</a:t>
+                </a:r>
+              </a:p>
+              <a:p>
+                <a:pPr marL="457200" indent="-457200" algn="l">
+                  <a:buFont typeface="Arial" panose="020B0604020202020204" pitchFamily="34" charset="0"/>
+                  <a:buChar char="•"/>
+                </a:pPr>
+                <a:r>
+                  <a:rPr lang="sk-SK" dirty="0"/>
+                  <a:t>Časová zložitosť </a:t>
+                </a:r>
+                <a14:m>
+                  <m:oMath xmlns:m="http://schemas.openxmlformats.org/officeDocument/2006/math">
+                    <m:r>
+                      <a:rPr lang="sk-SK" i="1"/>
+                      <m:t>𝑂</m:t>
+                    </m:r>
+                    <m:d>
+                      <m:dPr>
+                        <m:ctrlPr>
+                          <a:rPr lang="sk-SK" i="1">
+                            <a:latin typeface="Cambria Math" panose="02040503050406030204" pitchFamily="18" charset="0"/>
+                          </a:rPr>
+                        </m:ctrlPr>
+                      </m:dPr>
+                      <m:e>
+                        <m:r>
+                          <a:rPr lang="sk-SK" i="1"/>
+                          <m:t>𝑛</m:t>
+                        </m:r>
+                      </m:e>
+                    </m:d>
+                  </m:oMath>
+                </a14:m>
+                <a:endParaRPr lang="sk-SK" dirty="0"/>
+              </a:p>
+              <a:p>
+                <a:pPr marL="457200" indent="-457200" algn="l">
+                  <a:buFont typeface="Arial" panose="020B0604020202020204" pitchFamily="34" charset="0"/>
+                  <a:buChar char="•"/>
+                </a:pPr>
+                <a:r>
+                  <a:rPr lang="sk-SK" dirty="0"/>
+                  <a:t>Využíva zhodu prefixu</a:t>
+                </a:r>
+              </a:p>
+              <a:p>
+                <a:pPr algn="l"/>
+                <a:r>
+                  <a:rPr lang="sk-SK" dirty="0"/>
+                  <a:t>     hľadaného reťazca</a:t>
+                </a:r>
+              </a:p>
+            </p:txBody>
+          </p:sp>
+        </mc:Choice>
+        <mc:Fallback>
+          <p:sp>
+            <p:nvSpPr>
+              <p:cNvPr id="3" name="Zástupný objekt pre obsah 2"/>
+              <p:cNvSpPr>
+                <a:spLocks noGrp="1" noRot="1" noChangeAspect="1" noMove="1" noResize="1" noEditPoints="1" noAdjustHandles="1" noChangeArrowheads="1" noChangeShapeType="1" noTextEdit="1"/>
+              </p:cNvSpPr>
+              <p:nvPr>
+                <p:ph idx="1"/>
+              </p:nvPr>
+            </p:nvSpPr>
+            <p:spPr>
+              <a:xfrm>
+                <a:off x="120787" y="1786871"/>
+                <a:ext cx="8229600" cy="4525963"/>
+              </a:xfrm>
+              <a:blipFill>
+                <a:blip r:embed="rId2"/>
+                <a:stretch>
+                  <a:fillRect l="-1333" t="-1346"/>
+                </a:stretch>
+              </a:blipFill>
+            </p:spPr>
+            <p:txBody>
+              <a:bodyPr/>
+              <a:lstStyle/>
+              <a:p>
+                <a:r>
+                  <a:rPr lang="sk-SK">
+                    <a:noFill/>
+                  </a:rPr>
+                  <a:t> </a:t>
+                </a:r>
+              </a:p>
+            </p:txBody>
+          </p:sp>
+        </mc:Fallback>
+      </mc:AlternateContent>
       <p:pic>
         <p:nvPicPr>
           <p:cNvPr id="4" name="Obrázok 3"/>
@@ -6787,7 +7797,7 @@
           <p:nvPr/>
         </p:nvPicPr>
         <p:blipFill>
-          <a:blip r:embed="rId2">
+          <a:blip r:embed="rId3">
             <a:extLst>
               <a:ext uri="{28A0092B-C50C-407E-A947-70E740481C1C}">
                 <a14:useLocalDpi xmlns:a14="http://schemas.microsoft.com/office/drawing/2010/main" val="0"/>
@@ -6800,8 +7810,8 @@
         </p:blipFill>
         <p:spPr>
           <a:xfrm>
-            <a:off x="4139952" y="2420888"/>
-            <a:ext cx="4884682" cy="3616250"/>
+            <a:off x="4211960" y="2492896"/>
+            <a:ext cx="4907668" cy="3633267"/>
           </a:xfrm>
           <a:prstGeom prst="rect">
             <a:avLst/>
@@ -6831,7 +7841,7 @@
           <a:p>
             <a:r>
               <a:rPr lang="sk-SK" sz="1400" dirty="0">
-                <a:hlinkClick r:id="rId3"/>
+                <a:hlinkClick r:id="rId4"/>
               </a:rPr>
               <a:t>https://koding4fun.files.wordpress.com/2010/05/kmpexample.jpg</a:t>
             </a:r>
@@ -6844,6 +7854,43 @@
               <a:t>[6.12.2016]</a:t>
             </a:r>
             <a:endParaRPr lang="sk-SK" sz="1400" dirty="0"/>
+          </a:p>
+        </p:txBody>
+      </p:sp>
+      <p:sp>
+        <p:nvSpPr>
+          <p:cNvPr id="7" name="BlokTextu 6"/>
+          <p:cNvSpPr txBox="1"/>
+          <p:nvPr/>
+        </p:nvSpPr>
+        <p:spPr>
+          <a:xfrm>
+            <a:off x="8460432" y="33672"/>
+            <a:ext cx="1115616" cy="369332"/>
+          </a:xfrm>
+          <a:prstGeom prst="rect">
+            <a:avLst/>
+          </a:prstGeom>
+          <a:noFill/>
+        </p:spPr>
+        <p:txBody>
+          <a:bodyPr wrap="square" rtlCol="0">
+            <a:spAutoFit/>
+          </a:bodyPr>
+          <a:lstStyle/>
+          <a:p>
+            <a:r>
+              <a:rPr lang="sk-SK" dirty="0"/>
+              <a:t>8</a:t>
+            </a:r>
+            <a:r>
+              <a:rPr lang="en-US" dirty="0"/>
+              <a:t>/1</a:t>
+            </a:r>
+            <a:r>
+              <a:rPr lang="sk-SK" dirty="0"/>
+              <a:t>0</a:t>
+            </a:r>
           </a:p>
         </p:txBody>
       </p:sp>
@@ -7368,4 +8415,299 @@
   <a:objectDefaults/>
   <a:extraClrSchemeLst/>
 </a:theme>
+</file>
+
+<file path=ppt/theme/theme3.xml><?xml version="1.0" encoding="utf-8"?>
+<a:theme xmlns:a="http://schemas.openxmlformats.org/drawingml/2006/main" name="Motív balíka Office">
+  <a:themeElements>
+    <a:clrScheme name="Office">
+      <a:dk1>
+        <a:sysClr val="windowText" lastClr="000000"/>
+      </a:dk1>
+      <a:lt1>
+        <a:sysClr val="window" lastClr="FFFFFF"/>
+      </a:lt1>
+      <a:dk2>
+        <a:srgbClr val="44546A"/>
+      </a:dk2>
+      <a:lt2>
+        <a:srgbClr val="E7E6E6"/>
+      </a:lt2>
+      <a:accent1>
+        <a:srgbClr val="4472C4"/>
+      </a:accent1>
+      <a:accent2>
+        <a:srgbClr val="ED7D31"/>
+      </a:accent2>
+      <a:accent3>
+        <a:srgbClr val="A5A5A5"/>
+      </a:accent3>
+      <a:accent4>
+        <a:srgbClr val="FFC000"/>
+      </a:accent4>
+      <a:accent5>
+        <a:srgbClr val="5B9BD5"/>
+      </a:accent5>
+      <a:accent6>
+        <a:srgbClr val="70AD47"/>
+      </a:accent6>
+      <a:hlink>
+        <a:srgbClr val="0563C1"/>
+      </a:hlink>
+      <a:folHlink>
+        <a:srgbClr val="954F72"/>
+      </a:folHlink>
+    </a:clrScheme>
+    <a:fontScheme name="Office">
+      <a:majorFont>
+        <a:latin typeface="Calibri Light" panose="020F0302020204030204"/>
+        <a:ea typeface=""/>
+        <a:cs typeface=""/>
+        <a:font script="Jpan" typeface="游ゴシック Light"/>
+        <a:font script="Hang" typeface="맑은 고딕"/>
+        <a:font script="Hans" typeface="等线 Light"/>
+        <a:font script="Hant" typeface="新細明體"/>
+        <a:font script="Arab" typeface="Times New Roman"/>
+        <a:font script="Hebr" typeface="Times New Roman"/>
+        <a:font script="Thai" typeface="Angsana New"/>
+        <a:font script="Ethi" typeface="Nyala"/>
+        <a:font script="Beng" typeface="Vrinda"/>
+        <a:font script="Gujr" typeface="Shruti"/>
+        <a:font script="Khmr" typeface="MoolBoran"/>
+        <a:font script="Knda" typeface="Tunga"/>
+        <a:font script="Guru" typeface="Raavi"/>
+        <a:font script="Cans" typeface="Euphemia"/>
+        <a:font script="Cher" typeface="Plantagenet Cherokee"/>
+        <a:font script="Yiii" typeface="Microsoft Yi Baiti"/>
+        <a:font script="Tibt" typeface="Microsoft Himalaya"/>
+        <a:font script="Thaa" typeface="MV Boli"/>
+        <a:font script="Deva" typeface="Mangal"/>
+        <a:font script="Telu" typeface="Gautami"/>
+        <a:font script="Taml" typeface="Latha"/>
+        <a:font script="Syrc" typeface="Estrangelo Edessa"/>
+        <a:font script="Orya" typeface="Kalinga"/>
+        <a:font script="Mlym" typeface="Kartika"/>
+        <a:font script="Laoo" typeface="DokChampa"/>
+        <a:font script="Sinh" typeface="Iskoola Pota"/>
+        <a:font script="Mong" typeface="Mongolian Baiti"/>
+        <a:font script="Viet" typeface="Times New Roman"/>
+        <a:font script="Uigh" typeface="Microsoft Uighur"/>
+        <a:font script="Geor" typeface="Sylfaen"/>
+        <a:font script="Armn" typeface="Arial"/>
+        <a:font script="Bugi" typeface="Leelawadee UI"/>
+        <a:font script="Bopo" typeface="Microsoft JhengHei"/>
+        <a:font script="Java" typeface="Javanese Text"/>
+        <a:font script="Lisu" typeface="Segoe UI"/>
+        <a:font script="Mymr" typeface="Myanmar Text"/>
+        <a:font script="Nkoo" typeface="Ebrima"/>
+        <a:font script="Olck" typeface="Nirmala UI"/>
+        <a:font script="Osma" typeface="Ebrima"/>
+        <a:font script="Phag" typeface="Phagspa"/>
+        <a:font script="Syrn" typeface="Estrangelo Edessa"/>
+        <a:font script="Syrj" typeface="Estrangelo Edessa"/>
+        <a:font script="Syre" typeface="Estrangelo Edessa"/>
+        <a:font script="Sora" typeface="Nirmala UI"/>
+        <a:font script="Tale" typeface="Microsoft Tai Le"/>
+        <a:font script="Talu" typeface="Microsoft New Tai Lue"/>
+        <a:font script="Tfng" typeface="Ebrima"/>
+      </a:majorFont>
+      <a:minorFont>
+        <a:latin typeface="Calibri" panose="020F0502020204030204"/>
+        <a:ea typeface=""/>
+        <a:cs typeface=""/>
+        <a:font script="Jpan" typeface="游ゴシック"/>
+        <a:font script="Hang" typeface="맑은 고딕"/>
+        <a:font script="Hans" typeface="等线"/>
+        <a:font script="Hant" typeface="新細明體"/>
+        <a:font script="Arab" typeface="Arial"/>
+        <a:font script="Hebr" typeface="Arial"/>
+        <a:font script="Thai" typeface="Cordia New"/>
+        <a:font script="Ethi" typeface="Nyala"/>
+        <a:font script="Beng" typeface="Vrinda"/>
+        <a:font script="Gujr" typeface="Shruti"/>
+        <a:font script="Khmr" typeface="DaunPenh"/>
+        <a:font script="Knda" typeface="Tunga"/>
+        <a:font script="Guru" typeface="Raavi"/>
+        <a:font script="Cans" typeface="Euphemia"/>
+        <a:font script="Cher" typeface="Plantagenet Cherokee"/>
+        <a:font script="Yiii" typeface="Microsoft Yi Baiti"/>
+        <a:font script="Tibt" typeface="Microsoft Himalaya"/>
+        <a:font script="Thaa" typeface="MV Boli"/>
+        <a:font script="Deva" typeface="Mangal"/>
+        <a:font script="Telu" typeface="Gautami"/>
+        <a:font script="Taml" typeface="Latha"/>
+        <a:font script="Syrc" typeface="Estrangelo Edessa"/>
+        <a:font script="Orya" typeface="Kalinga"/>
+        <a:font script="Mlym" typeface="Kartika"/>
+        <a:font script="Laoo" typeface="DokChampa"/>
+        <a:font script="Sinh" typeface="Iskoola Pota"/>
+        <a:font script="Mong" typeface="Mongolian Baiti"/>
+        <a:font script="Viet" typeface="Arial"/>
+        <a:font script="Uigh" typeface="Microsoft Uighur"/>
+        <a:font script="Geor" typeface="Sylfaen"/>
+        <a:font script="Armn" typeface="Arial"/>
+        <a:font script="Bugi" typeface="Leelawadee UI"/>
+        <a:font script="Bopo" typeface="Microsoft JhengHei"/>
+        <a:font script="Java" typeface="Javanese Text"/>
+        <a:font script="Lisu" typeface="Segoe UI"/>
+        <a:font script="Mymr" typeface="Myanmar Text"/>
+        <a:font script="Nkoo" typeface="Ebrima"/>
+        <a:font script="Olck" typeface="Nirmala UI"/>
+        <a:font script="Osma" typeface="Ebrima"/>
+        <a:font script="Phag" typeface="Phagspa"/>
+        <a:font script="Syrn" typeface="Estrangelo Edessa"/>
+        <a:font script="Syrj" typeface="Estrangelo Edessa"/>
+        <a:font script="Syre" typeface="Estrangelo Edessa"/>
+        <a:font script="Sora" typeface="Nirmala UI"/>
+        <a:font script="Tale" typeface="Microsoft Tai Le"/>
+        <a:font script="Talu" typeface="Microsoft New Tai Lue"/>
+        <a:font script="Tfng" typeface="Ebrima"/>
+      </a:minorFont>
+    </a:fontScheme>
+    <a:fmtScheme name="Office">
+      <a:fillStyleLst>
+        <a:solidFill>
+          <a:schemeClr val="phClr"/>
+        </a:solidFill>
+        <a:gradFill rotWithShape="1">
+          <a:gsLst>
+            <a:gs pos="0">
+              <a:schemeClr val="phClr">
+                <a:lumMod val="110000"/>
+                <a:satMod val="105000"/>
+                <a:tint val="67000"/>
+              </a:schemeClr>
+            </a:gs>
+            <a:gs pos="50000">
+              <a:schemeClr val="phClr">
+                <a:lumMod val="105000"/>
+                <a:satMod val="103000"/>
+                <a:tint val="73000"/>
+              </a:schemeClr>
+            </a:gs>
+            <a:gs pos="100000">
+              <a:schemeClr val="phClr">
+                <a:lumMod val="105000"/>
+                <a:satMod val="109000"/>
+                <a:tint val="81000"/>
+              </a:schemeClr>
+            </a:gs>
+          </a:gsLst>
+          <a:lin ang="5400000" scaled="0"/>
+        </a:gradFill>
+        <a:gradFill rotWithShape="1">
+          <a:gsLst>
+            <a:gs pos="0">
+              <a:schemeClr val="phClr">
+                <a:satMod val="103000"/>
+                <a:lumMod val="102000"/>
+                <a:tint val="94000"/>
+              </a:schemeClr>
+            </a:gs>
+            <a:gs pos="50000">
+              <a:schemeClr val="phClr">
+                <a:satMod val="110000"/>
+                <a:lumMod val="100000"/>
+                <a:shade val="100000"/>
+              </a:schemeClr>
+            </a:gs>
+            <a:gs pos="100000">
+              <a:schemeClr val="phClr">
+                <a:lumMod val="99000"/>
+                <a:satMod val="120000"/>
+                <a:shade val="78000"/>
+              </a:schemeClr>
+            </a:gs>
+          </a:gsLst>
+          <a:lin ang="5400000" scaled="0"/>
+        </a:gradFill>
+      </a:fillStyleLst>
+      <a:lnStyleLst>
+        <a:ln w="6350" cap="flat" cmpd="sng" algn="ctr">
+          <a:solidFill>
+            <a:schemeClr val="phClr"/>
+          </a:solidFill>
+          <a:prstDash val="solid"/>
+          <a:miter lim="800000"/>
+        </a:ln>
+        <a:ln w="12700" cap="flat" cmpd="sng" algn="ctr">
+          <a:solidFill>
+            <a:schemeClr val="phClr"/>
+          </a:solidFill>
+          <a:prstDash val="solid"/>
+          <a:miter lim="800000"/>
+        </a:ln>
+        <a:ln w="19050" cap="flat" cmpd="sng" algn="ctr">
+          <a:solidFill>
+            <a:schemeClr val="phClr"/>
+          </a:solidFill>
+          <a:prstDash val="solid"/>
+          <a:miter lim="800000"/>
+        </a:ln>
+      </a:lnStyleLst>
+      <a:effectStyleLst>
+        <a:effectStyle>
+          <a:effectLst/>
+        </a:effectStyle>
+        <a:effectStyle>
+          <a:effectLst/>
+        </a:effectStyle>
+        <a:effectStyle>
+          <a:effectLst>
+            <a:outerShdw blurRad="57150" dist="19050" dir="5400000" algn="ctr" rotWithShape="0">
+              <a:srgbClr val="000000">
+                <a:alpha val="63000"/>
+              </a:srgbClr>
+            </a:outerShdw>
+          </a:effectLst>
+        </a:effectStyle>
+      </a:effectStyleLst>
+      <a:bgFillStyleLst>
+        <a:solidFill>
+          <a:schemeClr val="phClr"/>
+        </a:solidFill>
+        <a:solidFill>
+          <a:schemeClr val="phClr">
+            <a:tint val="95000"/>
+            <a:satMod val="170000"/>
+          </a:schemeClr>
+        </a:solidFill>
+        <a:gradFill rotWithShape="1">
+          <a:gsLst>
+            <a:gs pos="0">
+              <a:schemeClr val="phClr">
+                <a:tint val="93000"/>
+                <a:satMod val="150000"/>
+                <a:shade val="98000"/>
+                <a:lumMod val="102000"/>
+              </a:schemeClr>
+            </a:gs>
+            <a:gs pos="50000">
+              <a:schemeClr val="phClr">
+                <a:tint val="98000"/>
+                <a:satMod val="130000"/>
+                <a:shade val="90000"/>
+                <a:lumMod val="103000"/>
+              </a:schemeClr>
+            </a:gs>
+            <a:gs pos="100000">
+              <a:schemeClr val="phClr">
+                <a:shade val="63000"/>
+                <a:satMod val="120000"/>
+              </a:schemeClr>
+            </a:gs>
+          </a:gsLst>
+          <a:lin ang="5400000" scaled="0"/>
+        </a:gradFill>
+      </a:bgFillStyleLst>
+    </a:fmtScheme>
+  </a:themeElements>
+  <a:objectDefaults/>
+  <a:extraClrSchemeLst/>
+  <a:extLst>
+    <a:ext uri="{05A4C25C-085E-4340-85A3-A5531E510DB2}">
+      <thm15:themeFamily xmlns:thm15="http://schemas.microsoft.com/office/thememl/2012/main" name="Office Theme" id="{62F939B6-93AF-4DB8-9C6B-D6C7DFDC589F}" vid="{4A3C46E8-61CC-4603-A589-7422A47A8E4A}"/>
+    </a:ext>
+  </a:extLst>
+</a:theme>
 </file>
--- a/doc/prezentacia.pptx
+++ b/doc/prezentacia.pptx
@@ -11,12 +11,12 @@
     <p:handoutMasterId r:id="rId15"/>
   </p:handoutMasterIdLst>
   <p:sldIdLst>
-    <p:sldId id="256" r:id="rId2"/>
-    <p:sldId id="285" r:id="rId3"/>
-    <p:sldId id="287" r:id="rId4"/>
-    <p:sldId id="286" r:id="rId5"/>
-    <p:sldId id="288" r:id="rId6"/>
-    <p:sldId id="290" r:id="rId7"/>
+    <p:sldId id="285" r:id="rId2"/>
+    <p:sldId id="287" r:id="rId3"/>
+    <p:sldId id="286" r:id="rId4"/>
+    <p:sldId id="288" r:id="rId5"/>
+    <p:sldId id="290" r:id="rId6"/>
+    <p:sldId id="296" r:id="rId7"/>
     <p:sldId id="291" r:id="rId8"/>
     <p:sldId id="292" r:id="rId9"/>
     <p:sldId id="293" r:id="rId10"/>
@@ -140,6 +140,18 @@
 </p:presentation>
 </file>
 
+<file path=ppt/commentAuthors.xml><?xml version="1.0" encoding="utf-8"?>
+<p:cmAuthorLst xmlns:a="http://schemas.openxmlformats.org/drawingml/2006/main" xmlns:r="http://schemas.openxmlformats.org/officeDocument/2006/relationships" xmlns:p="http://schemas.openxmlformats.org/presentationml/2006/main">
+  <p:cmAuthor id="1" name="Urbanovský Jozef (187393)" initials="UJ(" lastIdx="1" clrIdx="0">
+    <p:extLst>
+      <p:ext uri="{19B8F6BF-5375-455C-9EA6-DF929625EA0E}">
+        <p15:presenceInfo xmlns:p15="http://schemas.microsoft.com/office/powerpoint/2012/main" userId="Urbanovský Jozef (187393)" providerId="None"/>
+      </p:ext>
+    </p:extLst>
+  </p:cmAuthor>
+</p:cmAuthorLst>
+</file>
+
 <file path=ppt/handoutMasters/handoutMaster1.xml><?xml version="1.0" encoding="utf-8"?>
 <p:handoutMaster xmlns:a="http://schemas.openxmlformats.org/drawingml/2006/main" xmlns:r="http://schemas.openxmlformats.org/officeDocument/2006/relationships" xmlns:p="http://schemas.openxmlformats.org/presentationml/2006/main">
   <p:cSld>
@@ -222,7 +234,7 @@
           <a:p>
             <a:fld id="{9373430C-EB15-44B9-A246-9DA80807B355}" type="datetimeFigureOut">
               <a:rPr lang="sk-SK" smtClean="0"/>
-              <a:t>8.12.2016</a:t>
+              <a:t>12.12.2016</a:t>
             </a:fld>
             <a:endParaRPr lang="sk-SK"/>
           </a:p>
@@ -388,7 +400,7 @@
           <a:p>
             <a:fld id="{8A47B827-01B0-40C7-BA68-3ACC7CEACCE7}" type="datetimeFigureOut">
               <a:rPr lang="cs-CZ" smtClean="0"/>
-              <a:t>08.12.2016</a:t>
+              <a:t>12.12.2016</a:t>
             </a:fld>
             <a:endParaRPr lang="cs-CZ"/>
           </a:p>
@@ -730,7 +742,7 @@
     </p:spTree>
     <p:extLst>
       <p:ext uri="{BB962C8B-B14F-4D97-AF65-F5344CB8AC3E}">
-        <p14:creationId xmlns:p14="http://schemas.microsoft.com/office/powerpoint/2010/main" val="2482931997"/>
+        <p14:creationId xmlns:p14="http://schemas.microsoft.com/office/powerpoint/2010/main" val="4049067271"/>
       </p:ext>
     </p:extLst>
   </p:cSld>
@@ -759,7 +771,7 @@
       </p:grpSpPr>
       <p:sp>
         <p:nvSpPr>
-          <p:cNvPr id="2" name="Zástupný symbol pro obrázek snímku 1"/>
+          <p:cNvPr id="2" name="Zástupný objekt pre obrázok snímky 1"/>
           <p:cNvSpPr>
             <a:spLocks noGrp="1" noRot="1" noChangeAspect="1"/>
           </p:cNvSpPr>
@@ -771,7 +783,7 @@
       </p:sp>
       <p:sp>
         <p:nvSpPr>
-          <p:cNvPr id="3" name="Zástupný symbol pro poznámky 2"/>
+          <p:cNvPr id="3" name="Zástupný objekt pre poznámky 2"/>
           <p:cNvSpPr>
             <a:spLocks noGrp="1"/>
           </p:cNvSpPr>
@@ -784,13 +796,16 @@
           <a:bodyPr/>
           <a:lstStyle/>
           <a:p>
-            <a:endParaRPr lang="cs-CZ"/>
-          </a:p>
-        </p:txBody>
-      </p:sp>
-      <p:sp>
-        <p:nvSpPr>
-          <p:cNvPr id="4" name="Zástupný symbol pro číslo snímku 3"/>
+            <a:r>
+              <a:rPr lang="sk-SK" dirty="0"/>
+              <a:t>Prekliknúť na ďalší slide a komentovať obrázok</a:t>
+            </a:r>
+          </a:p>
+        </p:txBody>
+      </p:sp>
+      <p:sp>
+        <p:nvSpPr>
+          <p:cNvPr id="4" name="Zástupný objekt pre číslo snímky 3"/>
           <p:cNvSpPr>
             <a:spLocks noGrp="1"/>
           </p:cNvSpPr>
@@ -814,7 +829,7 @@
     </p:spTree>
     <p:extLst>
       <p:ext uri="{BB962C8B-B14F-4D97-AF65-F5344CB8AC3E}">
-        <p14:creationId xmlns:p14="http://schemas.microsoft.com/office/powerpoint/2010/main" val="4049067271"/>
+        <p14:creationId xmlns:p14="http://schemas.microsoft.com/office/powerpoint/2010/main" val="3502397860"/>
       </p:ext>
     </p:extLst>
   </p:cSld>
@@ -825,6 +840,174 @@
 </file>
 
 <file path=ppt/notesSlides/notesSlide3.xml><?xml version="1.0" encoding="utf-8"?>
+<p:notes xmlns:a="http://schemas.openxmlformats.org/drawingml/2006/main" xmlns:r="http://schemas.openxmlformats.org/officeDocument/2006/relationships" xmlns:p="http://schemas.openxmlformats.org/presentationml/2006/main">
+  <p:cSld>
+    <p:spTree>
+      <p:nvGrpSpPr>
+        <p:cNvPr id="1" name=""/>
+        <p:cNvGrpSpPr/>
+        <p:nvPr/>
+      </p:nvGrpSpPr>
+      <p:grpSpPr>
+        <a:xfrm>
+          <a:off x="0" y="0"/>
+          <a:ext cx="0" cy="0"/>
+          <a:chOff x="0" y="0"/>
+          <a:chExt cx="0" cy="0"/>
+        </a:xfrm>
+      </p:grpSpPr>
+      <p:sp>
+        <p:nvSpPr>
+          <p:cNvPr id="2" name="Zástupný objekt pre obrázok snímky 1"/>
+          <p:cNvSpPr>
+            <a:spLocks noGrp="1" noRot="1" noChangeAspect="1"/>
+          </p:cNvSpPr>
+          <p:nvPr>
+            <p:ph type="sldImg"/>
+          </p:nvPr>
+        </p:nvSpPr>
+        <p:spPr/>
+      </p:sp>
+      <p:sp>
+        <p:nvSpPr>
+          <p:cNvPr id="3" name="Zástupný objekt pre poznámky 2"/>
+          <p:cNvSpPr>
+            <a:spLocks noGrp="1"/>
+          </p:cNvSpPr>
+          <p:nvPr>
+            <p:ph type="body" idx="1"/>
+          </p:nvPr>
+        </p:nvSpPr>
+        <p:spPr/>
+        <p:txBody>
+          <a:bodyPr/>
+          <a:lstStyle/>
+          <a:p>
+            <a:endParaRPr lang="sk-SK" dirty="0"/>
+          </a:p>
+        </p:txBody>
+      </p:sp>
+      <p:sp>
+        <p:nvSpPr>
+          <p:cNvPr id="4" name="Zástupný objekt pre číslo snímky 3"/>
+          <p:cNvSpPr>
+            <a:spLocks noGrp="1"/>
+          </p:cNvSpPr>
+          <p:nvPr>
+            <p:ph type="sldNum" sz="quarter" idx="10"/>
+          </p:nvPr>
+        </p:nvSpPr>
+        <p:spPr/>
+        <p:txBody>
+          <a:bodyPr/>
+          <a:lstStyle/>
+          <a:p>
+            <a:fld id="{EE1BD250-9BF5-4AE8-86BD-080F3A22271A}" type="slidenum">
+              <a:rPr lang="cs-CZ" smtClean="0"/>
+              <a:t>3</a:t>
+            </a:fld>
+            <a:endParaRPr lang="cs-CZ"/>
+          </a:p>
+        </p:txBody>
+      </p:sp>
+    </p:spTree>
+    <p:extLst>
+      <p:ext uri="{BB962C8B-B14F-4D97-AF65-F5344CB8AC3E}">
+        <p14:creationId xmlns:p14="http://schemas.microsoft.com/office/powerpoint/2010/main" val="1572705895"/>
+      </p:ext>
+    </p:extLst>
+  </p:cSld>
+  <p:clrMapOvr>
+    <a:masterClrMapping/>
+  </p:clrMapOvr>
+</p:notes>
+</file>
+
+<file path=ppt/notesSlides/notesSlide4.xml><?xml version="1.0" encoding="utf-8"?>
+<p:notes xmlns:a="http://schemas.openxmlformats.org/drawingml/2006/main" xmlns:r="http://schemas.openxmlformats.org/officeDocument/2006/relationships" xmlns:p="http://schemas.openxmlformats.org/presentationml/2006/main">
+  <p:cSld>
+    <p:spTree>
+      <p:nvGrpSpPr>
+        <p:cNvPr id="1" name=""/>
+        <p:cNvGrpSpPr/>
+        <p:nvPr/>
+      </p:nvGrpSpPr>
+      <p:grpSpPr>
+        <a:xfrm>
+          <a:off x="0" y="0"/>
+          <a:ext cx="0" cy="0"/>
+          <a:chOff x="0" y="0"/>
+          <a:chExt cx="0" cy="0"/>
+        </a:xfrm>
+      </p:grpSpPr>
+      <p:sp>
+        <p:nvSpPr>
+          <p:cNvPr id="2" name="Zástupný objekt pre obrázok snímky 1"/>
+          <p:cNvSpPr>
+            <a:spLocks noGrp="1" noRot="1" noChangeAspect="1"/>
+          </p:cNvSpPr>
+          <p:nvPr>
+            <p:ph type="sldImg"/>
+          </p:nvPr>
+        </p:nvSpPr>
+        <p:spPr/>
+      </p:sp>
+      <p:sp>
+        <p:nvSpPr>
+          <p:cNvPr id="3" name="Zástupný objekt pre poznámky 2"/>
+          <p:cNvSpPr>
+            <a:spLocks noGrp="1"/>
+          </p:cNvSpPr>
+          <p:nvPr>
+            <p:ph type="body" idx="1"/>
+          </p:nvPr>
+        </p:nvSpPr>
+        <p:spPr/>
+        <p:txBody>
+          <a:bodyPr/>
+          <a:lstStyle/>
+          <a:p>
+            <a:endParaRPr lang="sk-SK" dirty="0"/>
+          </a:p>
+        </p:txBody>
+      </p:sp>
+      <p:sp>
+        <p:nvSpPr>
+          <p:cNvPr id="4" name="Zástupný objekt pre číslo snímky 3"/>
+          <p:cNvSpPr>
+            <a:spLocks noGrp="1"/>
+          </p:cNvSpPr>
+          <p:nvPr>
+            <p:ph type="sldNum" sz="quarter" idx="10"/>
+          </p:nvPr>
+        </p:nvSpPr>
+        <p:spPr/>
+        <p:txBody>
+          <a:bodyPr/>
+          <a:lstStyle/>
+          <a:p>
+            <a:fld id="{EE1BD250-9BF5-4AE8-86BD-080F3A22271A}" type="slidenum">
+              <a:rPr lang="cs-CZ" smtClean="0"/>
+              <a:t>4</a:t>
+            </a:fld>
+            <a:endParaRPr lang="cs-CZ"/>
+          </a:p>
+        </p:txBody>
+      </p:sp>
+    </p:spTree>
+    <p:extLst>
+      <p:ext uri="{BB962C8B-B14F-4D97-AF65-F5344CB8AC3E}">
+        <p14:creationId xmlns:p14="http://schemas.microsoft.com/office/powerpoint/2010/main" val="1891676896"/>
+      </p:ext>
+    </p:extLst>
+  </p:cSld>
+  <p:clrMapOvr>
+    <a:masterClrMapping/>
+  </p:clrMapOvr>
+</p:notes>
+</file>
+
+<file path=ppt/notesSlides/notesSlide5.xml><?xml version="1.0" encoding="utf-8"?>
 <p:notes xmlns:a="http://schemas.openxmlformats.org/drawingml/2006/main" xmlns:r="http://schemas.openxmlformats.org/officeDocument/2006/relationships" xmlns:p="http://schemas.openxmlformats.org/presentationml/2006/main">
   <p:cSld>
     <p:spTree>
@@ -2268,40 +2451,164 @@
           <a:chExt cx="0" cy="0"/>
         </a:xfrm>
       </p:grpSpPr>
-      <p:pic>
-        <p:nvPicPr>
-          <p:cNvPr id="2" name="Obrázek 1"/>
-          <p:cNvPicPr>
-            <a:picLocks noChangeAspect="1"/>
-          </p:cNvPicPr>
-          <p:nvPr/>
-        </p:nvPicPr>
-        <p:blipFill>
-          <a:blip r:embed="rId3">
-            <a:extLst>
-              <a:ext uri="{28A0092B-C50C-407E-A947-70E740481C1C}">
-                <a14:useLocalDpi xmlns:a14="http://schemas.microsoft.com/office/drawing/2010/main" val="0"/>
-              </a:ext>
-            </a:extLst>
-          </a:blip>
-          <a:stretch>
-            <a:fillRect/>
-          </a:stretch>
-        </p:blipFill>
+      <p:sp>
+        <p:nvSpPr>
+          <p:cNvPr id="2" name="Zástupný symbol pro text 1"/>
+          <p:cNvSpPr>
+            <a:spLocks noGrp="1"/>
+          </p:cNvSpPr>
+          <p:nvPr>
+            <p:ph type="body" sz="quarter" idx="11"/>
+          </p:nvPr>
+        </p:nvSpPr>
         <p:spPr>
           <a:xfrm>
-            <a:off x="0" y="0"/>
-            <a:ext cx="9144000" cy="6858000"/>
+            <a:off x="896938" y="3933056"/>
+            <a:ext cx="7127875" cy="1223367"/>
           </a:xfrm>
-          <a:prstGeom prst="rect">
-            <a:avLst/>
-          </a:prstGeom>
         </p:spPr>
-      </p:pic>
+        <p:txBody>
+          <a:bodyPr/>
+          <a:lstStyle/>
+          <a:p>
+            <a:r>
+              <a:rPr lang="cs-CZ" sz="2800" dirty="0" err="1"/>
+              <a:t>Prekladač</a:t>
+            </a:r>
+            <a:r>
+              <a:rPr lang="cs-CZ" sz="2800" dirty="0"/>
+              <a:t> jazyka IFJ16</a:t>
+            </a:r>
+          </a:p>
+        </p:txBody>
+      </p:sp>
+      <p:sp>
+        <p:nvSpPr>
+          <p:cNvPr id="3" name="Zástupný symbol pro text 2"/>
+          <p:cNvSpPr>
+            <a:spLocks noGrp="1"/>
+          </p:cNvSpPr>
+          <p:nvPr>
+            <p:ph type="body" sz="quarter" idx="12"/>
+          </p:nvPr>
+        </p:nvSpPr>
+        <p:spPr>
+          <a:xfrm>
+            <a:off x="827584" y="5084539"/>
+            <a:ext cx="5043487" cy="431800"/>
+          </a:xfrm>
+        </p:spPr>
+        <p:txBody>
+          <a:bodyPr/>
+          <a:lstStyle/>
+          <a:p>
+            <a:r>
+              <a:rPr lang="cs-CZ" dirty="0"/>
+              <a:t>Autor: 	Jozef Urbanovský</a:t>
+            </a:r>
+          </a:p>
+          <a:p>
+            <a:r>
+              <a:rPr lang="cs-CZ" dirty="0"/>
+              <a:t>	Adrián </a:t>
+            </a:r>
+            <a:r>
+              <a:rPr lang="cs-CZ" dirty="0" err="1"/>
+              <a:t>Tomašov</a:t>
+            </a:r>
+            <a:endParaRPr lang="cs-CZ" dirty="0"/>
+          </a:p>
+          <a:p>
+            <a:r>
+              <a:rPr lang="cs-CZ" dirty="0"/>
+              <a:t>	Roman Dobiáš</a:t>
+            </a:r>
+          </a:p>
+          <a:p>
+            <a:r>
+              <a:rPr lang="cs-CZ" dirty="0"/>
+              <a:t>	Adam Šulc</a:t>
+            </a:r>
+          </a:p>
+          <a:p>
+            <a:r>
+              <a:rPr lang="cs-CZ" dirty="0"/>
+              <a:t>	Kristián </a:t>
+            </a:r>
+            <a:r>
+              <a:rPr lang="cs-CZ" dirty="0" err="1"/>
+              <a:t>Barna</a:t>
+            </a:r>
+            <a:endParaRPr lang="cs-CZ" dirty="0"/>
+          </a:p>
+          <a:p>
+            <a:endParaRPr lang="cs-CZ" dirty="0"/>
+          </a:p>
+        </p:txBody>
+      </p:sp>
+      <p:sp>
+        <p:nvSpPr>
+          <p:cNvPr id="4" name="Zástupný symbol pro text 3"/>
+          <p:cNvSpPr>
+            <a:spLocks noGrp="1"/>
+          </p:cNvSpPr>
+          <p:nvPr>
+            <p:ph type="body" sz="quarter" idx="13"/>
+          </p:nvPr>
+        </p:nvSpPr>
+        <p:spPr/>
+        <p:txBody>
+          <a:bodyPr/>
+          <a:lstStyle/>
+          <a:p>
+            <a:r>
+              <a:rPr lang="cs-CZ" dirty="0"/>
+              <a:t>6. </a:t>
+            </a:r>
+            <a:r>
+              <a:rPr lang="cs-CZ" dirty="0" err="1"/>
+              <a:t>December</a:t>
+            </a:r>
+            <a:r>
+              <a:rPr lang="cs-CZ" dirty="0"/>
+              <a:t> 2016</a:t>
+            </a:r>
+          </a:p>
+        </p:txBody>
+      </p:sp>
+      <p:sp>
+        <p:nvSpPr>
+          <p:cNvPr id="5" name="Nadpis 4"/>
+          <p:cNvSpPr>
+            <a:spLocks noGrp="1"/>
+          </p:cNvSpPr>
+          <p:nvPr>
+            <p:ph type="title"/>
+          </p:nvPr>
+        </p:nvSpPr>
+        <p:spPr/>
+        <p:txBody>
+          <a:bodyPr/>
+          <a:lstStyle/>
+          <a:p>
+            <a:r>
+              <a:rPr lang="cs-CZ" dirty="0"/>
+              <a:t>OBHAJOBA PROJEKTU </a:t>
+            </a:r>
+            <a:br>
+              <a:rPr lang="cs-CZ" dirty="0"/>
+            </a:br>
+            <a:r>
+              <a:rPr lang="cs-CZ" dirty="0"/>
+              <a:t>IFJ a IAL</a:t>
+            </a:r>
+          </a:p>
+        </p:txBody>
+      </p:sp>
     </p:spTree>
     <p:extLst>
       <p:ext uri="{BB962C8B-B14F-4D97-AF65-F5344CB8AC3E}">
-        <p14:creationId xmlns:p14="http://schemas.microsoft.com/office/powerpoint/2010/main" val="2543054615"/>
+        <p14:creationId xmlns:p14="http://schemas.microsoft.com/office/powerpoint/2010/main" val="3388467580"/>
       </p:ext>
     </p:extLst>
   </p:cSld>
@@ -2354,8 +2661,8 @@
           </a:p>
         </p:txBody>
       </p:sp>
-      <mc:AlternateContent xmlns:mc="http://schemas.openxmlformats.org/markup-compatibility/2006">
-        <mc:Choice xmlns:a14="http://schemas.microsoft.com/office/drawing/2010/main" Requires="a14">
+      <mc:AlternateContent xmlns:mc="http://schemas.openxmlformats.org/markup-compatibility/2006" xmlns:a14="http://schemas.microsoft.com/office/drawing/2010/main">
+        <mc:Choice Requires="a14">
           <p:sp>
             <p:nvSpPr>
               <p:cNvPr id="3" name="Zástupný objekt pre obsah 2"/>
@@ -2403,25 +2710,35 @@
                 <a14:m>
                   <m:oMath xmlns:m="http://schemas.openxmlformats.org/officeDocument/2006/math">
                     <m:r>
-                      <a:rPr lang="sk-SK" i="1"/>
+                      <a:rPr lang="sk-SK" i="1">
+                        <a:latin typeface="Cambria Math" panose="02040503050406030204" pitchFamily="18" charset="0"/>
+                      </a:rPr>
                       <m:t>𝑂</m:t>
                     </m:r>
                     <m:r>
-                      <a:rPr lang="sk-SK" i="1"/>
+                      <a:rPr lang="sk-SK" i="1">
+                        <a:latin typeface="Cambria Math" panose="02040503050406030204" pitchFamily="18" charset="0"/>
+                      </a:rPr>
                       <m:t>(</m:t>
                     </m:r>
                     <m:r>
-                      <a:rPr lang="sk-SK" i="1"/>
+                      <a:rPr lang="sk-SK" i="1">
+                        <a:latin typeface="Cambria Math" panose="02040503050406030204" pitchFamily="18" charset="0"/>
+                      </a:rPr>
                       <m:t>𝑛</m:t>
                     </m:r>
                     <m:r>
-                      <a:rPr lang="sk-SK" i="1"/>
+                      <a:rPr lang="sk-SK" i="1">
+                        <a:latin typeface="Cambria Math" panose="02040503050406030204" pitchFamily="18" charset="0"/>
+                      </a:rPr>
                       <m:t>∗</m:t>
                     </m:r>
                     <m:func>
                       <m:funcPr>
                         <m:ctrlPr>
-                          <a:rPr lang="sk-SK" i="1"/>
+                          <a:rPr lang="sk-SK" i="1">
+                            <a:latin typeface="Cambria Math" panose="02040503050406030204" pitchFamily="18" charset="0"/>
+                          </a:rPr>
                         </m:ctrlPr>
                       </m:funcPr>
                       <m:fName>
@@ -2429,19 +2746,25 @@
                           <m:rPr>
                             <m:sty m:val="p"/>
                           </m:rPr>
-                          <a:rPr lang="sk-SK"/>
+                          <a:rPr lang="sk-SK">
+                            <a:latin typeface="Cambria Math" panose="02040503050406030204" pitchFamily="18" charset="0"/>
+                          </a:rPr>
                           <m:t>log</m:t>
                         </m:r>
                       </m:fName>
                       <m:e>
                         <m:r>
-                          <a:rPr lang="sk-SK" i="1"/>
+                          <a:rPr lang="sk-SK" i="1">
+                            <a:latin typeface="Cambria Math" panose="02040503050406030204" pitchFamily="18" charset="0"/>
+                          </a:rPr>
                           <m:t>𝑛</m:t>
                         </m:r>
                       </m:e>
                     </m:func>
                     <m:r>
-                      <a:rPr lang="sk-SK" i="1"/>
+                      <a:rPr lang="sk-SK" i="1">
+                        <a:latin typeface="Cambria Math" panose="02040503050406030204" pitchFamily="18" charset="0"/>
+                      </a:rPr>
                       <m:t>)</m:t>
                     </m:r>
                   </m:oMath>
@@ -2467,34 +2790,46 @@
                 <a14:m>
                   <m:oMath xmlns:m="http://schemas.openxmlformats.org/officeDocument/2006/math">
                     <m:r>
-                      <a:rPr lang="sk-SK" i="1"/>
+                      <a:rPr lang="sk-SK" i="1">
+                        <a:latin typeface="Cambria Math" panose="02040503050406030204" pitchFamily="18" charset="0"/>
+                      </a:rPr>
                       <m:t>𝑂</m:t>
                     </m:r>
                     <m:r>
-                      <a:rPr lang="sk-SK" i="1"/>
+                      <a:rPr lang="sk-SK" i="1">
+                        <a:latin typeface="Cambria Math" panose="02040503050406030204" pitchFamily="18" charset="0"/>
+                      </a:rPr>
                       <m:t>(</m:t>
                     </m:r>
                     <m:sSup>
                       <m:sSupPr>
                         <m:ctrlPr>
-                          <a:rPr lang="sk-SK" i="1"/>
+                          <a:rPr lang="sk-SK" i="1">
+                            <a:latin typeface="Cambria Math" panose="02040503050406030204" pitchFamily="18" charset="0"/>
+                          </a:rPr>
                         </m:ctrlPr>
                       </m:sSupPr>
                       <m:e>
                         <m:r>
-                          <a:rPr lang="sk-SK" i="1"/>
+                          <a:rPr lang="sk-SK" i="1">
+                            <a:latin typeface="Cambria Math" panose="02040503050406030204" pitchFamily="18" charset="0"/>
+                          </a:rPr>
                           <m:t>𝑛</m:t>
                         </m:r>
                       </m:e>
                       <m:sup>
                         <m:r>
-                          <a:rPr lang="sk-SK" i="1"/>
+                          <a:rPr lang="sk-SK" i="1">
+                            <a:latin typeface="Cambria Math" panose="02040503050406030204" pitchFamily="18" charset="0"/>
+                          </a:rPr>
                           <m:t>2</m:t>
                         </m:r>
                       </m:sup>
                     </m:sSup>
                     <m:r>
-                      <a:rPr lang="sk-SK" i="1"/>
+                      <a:rPr lang="sk-SK" i="1">
+                        <a:latin typeface="Cambria Math" panose="02040503050406030204" pitchFamily="18" charset="0"/>
+                      </a:rPr>
                       <m:t>)</m:t>
                     </m:r>
                   </m:oMath>
@@ -2518,7 +2853,7 @@
             </p:txBody>
           </p:sp>
         </mc:Choice>
-        <mc:Fallback>
+        <mc:Fallback xmlns="">
           <p:sp>
             <p:nvSpPr>
               <p:cNvPr id="3" name="Zástupný objekt pre obsah 2"/>
@@ -2591,7 +2926,6 @@
               <a:rPr lang="sk-SK" sz="1400" dirty="0"/>
               <a:t> </a:t>
             </a:r>
-            <a:endParaRPr lang="sk-SK" sz="1400" dirty="0"/>
           </a:p>
         </p:txBody>
       </p:sp>
@@ -2649,7 +2983,7 @@
           <a:p>
             <a:r>
               <a:rPr lang="sk-SK" dirty="0"/>
-              <a:t>9</a:t>
+              <a:t>10</a:t>
             </a:r>
             <a:r>
               <a:rPr lang="en-US" dirty="0"/>
@@ -2657,7 +2991,7 @@
             </a:r>
             <a:r>
               <a:rPr lang="sk-SK" dirty="0"/>
-              <a:t>0</a:t>
+              <a:t>1</a:t>
             </a:r>
           </a:p>
         </p:txBody>
@@ -2719,8 +3053,8 @@
           </a:p>
         </p:txBody>
       </p:sp>
-      <mc:AlternateContent xmlns:mc="http://schemas.openxmlformats.org/markup-compatibility/2006">
-        <mc:Choice xmlns:a14="http://schemas.microsoft.com/office/drawing/2010/main" Requires="a14">
+      <mc:AlternateContent xmlns:mc="http://schemas.openxmlformats.org/markup-compatibility/2006" xmlns:a14="http://schemas.microsoft.com/office/drawing/2010/main">
+        <mc:Choice Requires="a14">
           <p:sp>
             <p:nvSpPr>
               <p:cNvPr id="3" name="Zástupný objekt pre obsah 2"/>
@@ -2777,11 +3111,15 @@
                 <a14:m>
                   <m:oMath xmlns:m="http://schemas.openxmlformats.org/officeDocument/2006/math">
                     <m:r>
-                      <a:rPr lang="sk-SK" i="1"/>
+                      <a:rPr lang="sk-SK" i="1">
+                        <a:latin typeface="Cambria Math" panose="02040503050406030204" pitchFamily="18" charset="0"/>
+                      </a:rPr>
                       <m:t>𝑂</m:t>
                     </m:r>
                     <m:r>
-                      <a:rPr lang="sk-SK" i="1"/>
+                      <a:rPr lang="sk-SK" i="1">
+                        <a:latin typeface="Cambria Math" panose="02040503050406030204" pitchFamily="18" charset="0"/>
+                      </a:rPr>
                       <m:t>(1)</m:t>
                     </m:r>
                   </m:oMath>
@@ -2810,7 +3148,9 @@
                 <a14:m>
                   <m:oMath xmlns:m="http://schemas.openxmlformats.org/officeDocument/2006/math">
                     <m:r>
-                      <a:rPr lang="sk-SK" i="1"/>
+                      <a:rPr lang="sk-SK" i="1">
+                        <a:latin typeface="Cambria Math" panose="02040503050406030204" pitchFamily="18" charset="0"/>
+                      </a:rPr>
                       <m:t>𝑂</m:t>
                     </m:r>
                     <m:r>
@@ -2826,7 +3166,9 @@
                       <m:t>𝑛</m:t>
                     </m:r>
                     <m:r>
-                      <a:rPr lang="sk-SK" i="1"/>
+                      <a:rPr lang="sk-SK" i="1">
+                        <a:latin typeface="Cambria Math" panose="02040503050406030204" pitchFamily="18" charset="0"/>
+                      </a:rPr>
                       <m:t>)</m:t>
                     </m:r>
                   </m:oMath>
@@ -2842,12 +3184,11 @@
                   <a:rPr lang="sk-SK" dirty="0"/>
                   <a:t>Jediná tabuľka symbolov </a:t>
                 </a:r>
-                <a:endParaRPr lang="sk-SK" dirty="0"/>
               </a:p>
             </p:txBody>
           </p:sp>
         </mc:Choice>
-        <mc:Fallback>
+        <mc:Fallback xmlns="">
           <p:sp>
             <p:nvSpPr>
               <p:cNvPr id="3" name="Zástupný objekt pre obsah 2"/>
@@ -2978,7 +3319,7 @@
           <a:p>
             <a:r>
               <a:rPr lang="sk-SK" dirty="0"/>
-              <a:t>10</a:t>
+              <a:t>11</a:t>
             </a:r>
             <a:r>
               <a:rPr lang="en-US" dirty="0"/>
@@ -2986,7 +3327,7 @@
             </a:r>
             <a:r>
               <a:rPr lang="sk-SK" dirty="0"/>
-              <a:t>0</a:t>
+              <a:t>1</a:t>
             </a:r>
           </a:p>
         </p:txBody>
@@ -3145,190 +3486,6 @@
       </p:grpSpPr>
       <p:sp>
         <p:nvSpPr>
-          <p:cNvPr id="2" name="Zástupný symbol pro text 1"/>
-          <p:cNvSpPr>
-            <a:spLocks noGrp="1"/>
-          </p:cNvSpPr>
-          <p:nvPr>
-            <p:ph type="body" sz="quarter" idx="11"/>
-          </p:nvPr>
-        </p:nvSpPr>
-        <p:spPr>
-          <a:xfrm>
-            <a:off x="896938" y="3933056"/>
-            <a:ext cx="7127875" cy="1223367"/>
-          </a:xfrm>
-        </p:spPr>
-        <p:txBody>
-          <a:bodyPr/>
-          <a:lstStyle/>
-          <a:p>
-            <a:r>
-              <a:rPr lang="cs-CZ" sz="2800" dirty="0" err="1"/>
-              <a:t>Prekladač</a:t>
-            </a:r>
-            <a:r>
-              <a:rPr lang="cs-CZ" sz="2800" dirty="0"/>
-              <a:t> jazyka IFJ16</a:t>
-            </a:r>
-          </a:p>
-        </p:txBody>
-      </p:sp>
-      <p:sp>
-        <p:nvSpPr>
-          <p:cNvPr id="3" name="Zástupný symbol pro text 2"/>
-          <p:cNvSpPr>
-            <a:spLocks noGrp="1"/>
-          </p:cNvSpPr>
-          <p:nvPr>
-            <p:ph type="body" sz="quarter" idx="12"/>
-          </p:nvPr>
-        </p:nvSpPr>
-        <p:spPr>
-          <a:xfrm>
-            <a:off x="827584" y="5084539"/>
-            <a:ext cx="5043487" cy="431800"/>
-          </a:xfrm>
-        </p:spPr>
-        <p:txBody>
-          <a:bodyPr/>
-          <a:lstStyle/>
-          <a:p>
-            <a:r>
-              <a:rPr lang="cs-CZ" dirty="0"/>
-              <a:t>Autor: 	Jozef Urbanovský</a:t>
-            </a:r>
-          </a:p>
-          <a:p>
-            <a:r>
-              <a:rPr lang="cs-CZ" dirty="0"/>
-              <a:t>	Adrián </a:t>
-            </a:r>
-            <a:r>
-              <a:rPr lang="cs-CZ" dirty="0" err="1"/>
-              <a:t>Tomašov</a:t>
-            </a:r>
-            <a:endParaRPr lang="cs-CZ" dirty="0"/>
-          </a:p>
-          <a:p>
-            <a:r>
-              <a:rPr lang="cs-CZ" dirty="0"/>
-              <a:t>	Roman Dobiáš</a:t>
-            </a:r>
-          </a:p>
-          <a:p>
-            <a:r>
-              <a:rPr lang="cs-CZ" dirty="0"/>
-              <a:t>	Adam Šulc</a:t>
-            </a:r>
-          </a:p>
-          <a:p>
-            <a:r>
-              <a:rPr lang="cs-CZ" dirty="0"/>
-              <a:t>	Kristián </a:t>
-            </a:r>
-            <a:r>
-              <a:rPr lang="cs-CZ" dirty="0" err="1"/>
-              <a:t>Barna</a:t>
-            </a:r>
-            <a:endParaRPr lang="cs-CZ" dirty="0"/>
-          </a:p>
-          <a:p>
-            <a:endParaRPr lang="cs-CZ" dirty="0"/>
-          </a:p>
-        </p:txBody>
-      </p:sp>
-      <p:sp>
-        <p:nvSpPr>
-          <p:cNvPr id="4" name="Zástupný symbol pro text 3"/>
-          <p:cNvSpPr>
-            <a:spLocks noGrp="1"/>
-          </p:cNvSpPr>
-          <p:nvPr>
-            <p:ph type="body" sz="quarter" idx="13"/>
-          </p:nvPr>
-        </p:nvSpPr>
-        <p:spPr/>
-        <p:txBody>
-          <a:bodyPr/>
-          <a:lstStyle/>
-          <a:p>
-            <a:r>
-              <a:rPr lang="cs-CZ" dirty="0"/>
-              <a:t>6. </a:t>
-            </a:r>
-            <a:r>
-              <a:rPr lang="cs-CZ" dirty="0" err="1"/>
-              <a:t>December</a:t>
-            </a:r>
-            <a:r>
-              <a:rPr lang="cs-CZ" dirty="0"/>
-              <a:t> 2016</a:t>
-            </a:r>
-          </a:p>
-        </p:txBody>
-      </p:sp>
-      <p:sp>
-        <p:nvSpPr>
-          <p:cNvPr id="5" name="Nadpis 4"/>
-          <p:cNvSpPr>
-            <a:spLocks noGrp="1"/>
-          </p:cNvSpPr>
-          <p:nvPr>
-            <p:ph type="title"/>
-          </p:nvPr>
-        </p:nvSpPr>
-        <p:spPr/>
-        <p:txBody>
-          <a:bodyPr/>
-          <a:lstStyle/>
-          <a:p>
-            <a:r>
-              <a:rPr lang="cs-CZ" dirty="0"/>
-              <a:t>OBHAJOBA PROJEKTU </a:t>
-            </a:r>
-            <a:br>
-              <a:rPr lang="cs-CZ" dirty="0"/>
-            </a:br>
-            <a:r>
-              <a:rPr lang="cs-CZ" dirty="0"/>
-              <a:t>IFJ a IAL</a:t>
-            </a:r>
-          </a:p>
-        </p:txBody>
-      </p:sp>
-    </p:spTree>
-    <p:extLst>
-      <p:ext uri="{BB962C8B-B14F-4D97-AF65-F5344CB8AC3E}">
-        <p14:creationId xmlns:p14="http://schemas.microsoft.com/office/powerpoint/2010/main" val="3388467580"/>
-      </p:ext>
-    </p:extLst>
-  </p:cSld>
-  <p:clrMapOvr>
-    <a:masterClrMapping/>
-  </p:clrMapOvr>
-</p:sld>
-</file>
-
-<file path=ppt/slides/slide3.xml><?xml version="1.0" encoding="utf-8"?>
-<p:sld xmlns:a="http://schemas.openxmlformats.org/drawingml/2006/main" xmlns:r="http://schemas.openxmlformats.org/officeDocument/2006/relationships" xmlns:p="http://schemas.openxmlformats.org/presentationml/2006/main">
-  <p:cSld>
-    <p:spTree>
-      <p:nvGrpSpPr>
-        <p:cNvPr id="1" name=""/>
-        <p:cNvGrpSpPr/>
-        <p:nvPr/>
-      </p:nvGrpSpPr>
-      <p:grpSpPr>
-        <a:xfrm>
-          <a:off x="0" y="0"/>
-          <a:ext cx="0" cy="0"/>
-          <a:chOff x="0" y="0"/>
-          <a:chExt cx="0" cy="0"/>
-        </a:xfrm>
-      </p:grpSpPr>
-      <p:sp>
-        <p:nvSpPr>
           <p:cNvPr id="2" name="Nadpis 1"/>
           <p:cNvSpPr>
             <a:spLocks noGrp="1"/>
@@ -3499,7 +3656,7 @@
             </a:r>
             <a:r>
               <a:rPr lang="sk-SK" dirty="0"/>
-              <a:t>0</a:t>
+              <a:t>1</a:t>
             </a:r>
           </a:p>
         </p:txBody>
@@ -3517,7 +3674,7 @@
 </p:sld>
 </file>
 
-<file path=ppt/slides/slide4.xml><?xml version="1.0" encoding="utf-8"?>
+<file path=ppt/slides/slide3.xml><?xml version="1.0" encoding="utf-8"?>
 <p:sld xmlns:a="http://schemas.openxmlformats.org/drawingml/2006/main" xmlns:r="http://schemas.openxmlformats.org/officeDocument/2006/relationships" xmlns:p="http://schemas.openxmlformats.org/presentationml/2006/main">
   <p:cSld>
     <p:spTree>
@@ -4492,7 +4649,7 @@
           <p:nvPr/>
         </p:nvPicPr>
         <p:blipFill>
-          <a:blip r:embed="rId2">
+          <a:blip r:embed="rId3">
             <a:extLst>
               <a:ext uri="{28A0092B-C50C-407E-A947-70E740481C1C}">
                 <a14:useLocalDpi xmlns:a14="http://schemas.microsoft.com/office/drawing/2010/main" val="0"/>
@@ -5000,7 +5157,7 @@
             </a:r>
             <a:r>
               <a:rPr lang="sk-SK" dirty="0"/>
-              <a:t>0</a:t>
+              <a:t>1</a:t>
             </a:r>
           </a:p>
         </p:txBody>
@@ -5018,7 +5175,7 @@
 </p:sld>
 </file>
 
-<file path=ppt/slides/slide5.xml><?xml version="1.0" encoding="utf-8"?>
+<file path=ppt/slides/slide4.xml><?xml version="1.0" encoding="utf-8"?>
 <p:sld xmlns:a="http://schemas.openxmlformats.org/drawingml/2006/main" xmlns:r="http://schemas.openxmlformats.org/officeDocument/2006/relationships" xmlns:p="http://schemas.openxmlformats.org/presentationml/2006/main">
   <p:cSld>
     <p:spTree>
@@ -5077,11 +5234,18 @@
           <a:bodyPr/>
           <a:lstStyle/>
           <a:p>
+            <a:pPr algn="l"/>
+            <a:endParaRPr lang="sk-SK" dirty="0"/>
+          </a:p>
+          <a:p>
             <a:pPr marL="457200" indent="-457200" algn="l">
               <a:buFont typeface="Arial" panose="020B0604020202020204" pitchFamily="34" charset="0"/>
               <a:buChar char="•"/>
             </a:pPr>
-            <a:endParaRPr lang="sk-SK" dirty="0"/>
+            <a:r>
+              <a:rPr lang="sk-SK" dirty="0"/>
+              <a:t>Zostrojený ako konečný automat</a:t>
+            </a:r>
           </a:p>
           <a:p>
             <a:pPr marL="457200" indent="-457200" algn="l">
@@ -5090,7 +5254,15 @@
             </a:pPr>
             <a:r>
               <a:rPr lang="sk-SK" dirty="0"/>
-              <a:t>Zostrojený ako konečný automat</a:t>
+              <a:t>Načítavanie a overovanie </a:t>
+            </a:r>
+            <a:r>
+              <a:rPr lang="sk-SK" dirty="0" err="1"/>
+              <a:t>lexémov</a:t>
+            </a:r>
+            <a:r>
+              <a:rPr lang="sk-SK" dirty="0"/>
+              <a:t> </a:t>
             </a:r>
           </a:p>
           <a:p>
@@ -5100,27 +5272,7 @@
             </a:pPr>
             <a:r>
               <a:rPr lang="sk-SK" dirty="0"/>
-              <a:t>Detekcia kľúčových slov</a:t>
-            </a:r>
-          </a:p>
-          <a:p>
-            <a:pPr marL="457200" indent="-457200" algn="l">
-              <a:buFont typeface="Arial" panose="020B0604020202020204" pitchFamily="34" charset="0"/>
-              <a:buChar char="•"/>
-            </a:pPr>
-            <a:r>
-              <a:rPr lang="sk-SK" dirty="0"/>
-              <a:t>Enumerácia typu tokenov</a:t>
-            </a:r>
-          </a:p>
-          <a:p>
-            <a:pPr marL="457200" indent="-457200" algn="l">
-              <a:buFont typeface="Arial" panose="020B0604020202020204" pitchFamily="34" charset="0"/>
-              <a:buChar char="•"/>
-            </a:pPr>
-            <a:r>
-              <a:rPr lang="sk-SK" dirty="0"/>
-              <a:t>Dvojsmerne viazaný zoznam</a:t>
+              <a:t>Dvojsmerne viazaný zoznam </a:t>
             </a:r>
           </a:p>
           <a:p>
@@ -5515,11 +5667,170 @@
           <a:p>
             <a:r>
               <a:rPr lang="sk-SK" dirty="0"/>
-              <a:t>4/10</a:t>
-            </a:r>
-          </a:p>
-        </p:txBody>
-      </p:sp>
+              <a:t>4/11</a:t>
+            </a:r>
+          </a:p>
+        </p:txBody>
+      </p:sp>
+      <p:sp>
+        <p:nvSpPr>
+          <p:cNvPr id="10" name="BlokTextu 9"/>
+          <p:cNvSpPr txBox="1"/>
+          <p:nvPr/>
+        </p:nvSpPr>
+        <p:spPr>
+          <a:xfrm>
+            <a:off x="7818410" y="5339085"/>
+            <a:ext cx="1261011" cy="369332"/>
+          </a:xfrm>
+          <a:prstGeom prst="rect">
+            <a:avLst/>
+          </a:prstGeom>
+          <a:noFill/>
+        </p:spPr>
+        <p:txBody>
+          <a:bodyPr wrap="square" rtlCol="0">
+            <a:spAutoFit/>
+          </a:bodyPr>
+          <a:lstStyle>
+            <a:defPPr>
+              <a:defRPr lang="en-US"/>
+            </a:defPPr>
+            <a:lvl1pPr marL="0" algn="l" defTabSz="914400" rtl="0" eaLnBrk="1" latinLnBrk="0" hangingPunct="1">
+              <a:defRPr sz="1800" kern="1200">
+                <a:solidFill>
+                  <a:schemeClr val="tx1"/>
+                </a:solidFill>
+                <a:latin typeface="+mn-lt"/>
+                <a:ea typeface="+mn-ea"/>
+                <a:cs typeface="+mn-cs"/>
+              </a:defRPr>
+            </a:lvl1pPr>
+            <a:lvl2pPr marL="457200" algn="l" defTabSz="914400" rtl="0" eaLnBrk="1" latinLnBrk="0" hangingPunct="1">
+              <a:defRPr sz="1800" kern="1200">
+                <a:solidFill>
+                  <a:schemeClr val="tx1"/>
+                </a:solidFill>
+                <a:latin typeface="+mn-lt"/>
+                <a:ea typeface="+mn-ea"/>
+                <a:cs typeface="+mn-cs"/>
+              </a:defRPr>
+            </a:lvl2pPr>
+            <a:lvl3pPr marL="914400" algn="l" defTabSz="914400" rtl="0" eaLnBrk="1" latinLnBrk="0" hangingPunct="1">
+              <a:defRPr sz="1800" kern="1200">
+                <a:solidFill>
+                  <a:schemeClr val="tx1"/>
+                </a:solidFill>
+                <a:latin typeface="+mn-lt"/>
+                <a:ea typeface="+mn-ea"/>
+                <a:cs typeface="+mn-cs"/>
+              </a:defRPr>
+            </a:lvl3pPr>
+            <a:lvl4pPr marL="1371600" algn="l" defTabSz="914400" rtl="0" eaLnBrk="1" latinLnBrk="0" hangingPunct="1">
+              <a:defRPr sz="1800" kern="1200">
+                <a:solidFill>
+                  <a:schemeClr val="tx1"/>
+                </a:solidFill>
+                <a:latin typeface="+mn-lt"/>
+                <a:ea typeface="+mn-ea"/>
+                <a:cs typeface="+mn-cs"/>
+              </a:defRPr>
+            </a:lvl4pPr>
+            <a:lvl5pPr marL="1828800" algn="l" defTabSz="914400" rtl="0" eaLnBrk="1" latinLnBrk="0" hangingPunct="1">
+              <a:defRPr sz="1800" kern="1200">
+                <a:solidFill>
+                  <a:schemeClr val="tx1"/>
+                </a:solidFill>
+                <a:latin typeface="+mn-lt"/>
+                <a:ea typeface="+mn-ea"/>
+                <a:cs typeface="+mn-cs"/>
+              </a:defRPr>
+            </a:lvl5pPr>
+            <a:lvl6pPr marL="2286000" algn="l" defTabSz="914400" rtl="0" eaLnBrk="1" latinLnBrk="0" hangingPunct="1">
+              <a:defRPr sz="1800" kern="1200">
+                <a:solidFill>
+                  <a:schemeClr val="tx1"/>
+                </a:solidFill>
+                <a:latin typeface="+mn-lt"/>
+                <a:ea typeface="+mn-ea"/>
+                <a:cs typeface="+mn-cs"/>
+              </a:defRPr>
+            </a:lvl6pPr>
+            <a:lvl7pPr marL="2743200" algn="l" defTabSz="914400" rtl="0" eaLnBrk="1" latinLnBrk="0" hangingPunct="1">
+              <a:defRPr sz="1800" kern="1200">
+                <a:solidFill>
+                  <a:schemeClr val="tx1"/>
+                </a:solidFill>
+                <a:latin typeface="+mn-lt"/>
+                <a:ea typeface="+mn-ea"/>
+                <a:cs typeface="+mn-cs"/>
+              </a:defRPr>
+            </a:lvl7pPr>
+            <a:lvl8pPr marL="3200400" algn="l" defTabSz="914400" rtl="0" eaLnBrk="1" latinLnBrk="0" hangingPunct="1">
+              <a:defRPr sz="1800" kern="1200">
+                <a:solidFill>
+                  <a:schemeClr val="tx1"/>
+                </a:solidFill>
+                <a:latin typeface="+mn-lt"/>
+                <a:ea typeface="+mn-ea"/>
+                <a:cs typeface="+mn-cs"/>
+              </a:defRPr>
+            </a:lvl8pPr>
+            <a:lvl9pPr marL="3657600" algn="l" defTabSz="914400" rtl="0" eaLnBrk="1" latinLnBrk="0" hangingPunct="1">
+              <a:defRPr sz="1800" kern="1200">
+                <a:solidFill>
+                  <a:schemeClr val="tx1"/>
+                </a:solidFill>
+                <a:latin typeface="+mn-lt"/>
+                <a:ea typeface="+mn-ea"/>
+                <a:cs typeface="+mn-cs"/>
+              </a:defRPr>
+            </a:lvl9pPr>
+          </a:lstStyle>
+          <a:p>
+            <a:r>
+              <a:rPr lang="sk-SK" dirty="0"/>
+              <a:t>Tokeny</a:t>
+            </a:r>
+          </a:p>
+        </p:txBody>
+      </p:sp>
+      <p:cxnSp>
+        <p:nvCxnSpPr>
+          <p:cNvPr id="14" name="Rovná spojovacia šípka 13"/>
+          <p:cNvCxnSpPr>
+            <a:cxnSpLocks/>
+            <a:stCxn id="11" idx="3"/>
+          </p:cNvCxnSpPr>
+          <p:nvPr/>
+        </p:nvCxnSpPr>
+        <p:spPr>
+          <a:xfrm>
+            <a:off x="7452320" y="5514801"/>
+            <a:ext cx="366090" cy="0"/>
+          </a:xfrm>
+          <a:prstGeom prst="straightConnector1">
+            <a:avLst/>
+          </a:prstGeom>
+          <a:ln>
+            <a:tailEnd type="triangle"/>
+          </a:ln>
+        </p:spPr>
+        <p:style>
+          <a:lnRef idx="2">
+            <a:schemeClr val="dk1"/>
+          </a:lnRef>
+          <a:fillRef idx="0">
+            <a:schemeClr val="dk1"/>
+          </a:fillRef>
+          <a:effectRef idx="1">
+            <a:schemeClr val="dk1"/>
+          </a:effectRef>
+          <a:fontRef idx="minor">
+            <a:schemeClr val="tx1"/>
+          </a:fontRef>
+        </p:style>
+      </p:cxnSp>
     </p:spTree>
     <p:extLst>
       <p:ext uri="{BB962C8B-B14F-4D97-AF65-F5344CB8AC3E}">
@@ -5533,7 +5844,7 @@
 </p:sld>
 </file>
 
-<file path=ppt/slides/slide6.xml><?xml version="1.0" encoding="utf-8"?>
+<file path=ppt/slides/slide5.xml><?xml version="1.0" encoding="utf-8"?>
 <p:sld xmlns:a="http://schemas.openxmlformats.org/drawingml/2006/main" xmlns:r="http://schemas.openxmlformats.org/officeDocument/2006/relationships" xmlns:p="http://schemas.openxmlformats.org/presentationml/2006/main">
   <p:cSld>
     <p:spTree>
@@ -5582,7 +5893,12 @@
             <p:ph idx="1"/>
           </p:nvPr>
         </p:nvSpPr>
-        <p:spPr/>
+        <p:spPr>
+          <a:xfrm>
+            <a:off x="457200" y="1794674"/>
+            <a:ext cx="8229600" cy="4525963"/>
+          </a:xfrm>
+        </p:spPr>
         <p:txBody>
           <a:bodyPr/>
           <a:lstStyle/>
@@ -5593,15 +5909,7 @@
             </a:pPr>
             <a:r>
               <a:rPr lang="sk-SK" dirty="0"/>
-              <a:t>Vstup : </a:t>
-            </a:r>
-            <a:r>
-              <a:rPr lang="sk-SK" dirty="0" err="1"/>
-              <a:t>getToken</a:t>
-            </a:r>
-            <a:r>
-              <a:rPr lang="sk-SK" dirty="0"/>
-              <a:t>()</a:t>
+              <a:t>Overí syntaktickú korektnosť podľa gramatiky</a:t>
             </a:r>
           </a:p>
           <a:p>
@@ -5611,8 +5919,9 @@
             </a:pPr>
             <a:r>
               <a:rPr lang="sk-SK" dirty="0"/>
-              <a:t>Rekurzívny zostup</a:t>
-            </a:r>
+              <a:t>Simulácia tvorby derivačného stromu</a:t>
+            </a:r>
+            <a:endParaRPr lang="sk-SK" dirty="0"/>
           </a:p>
           <a:p>
             <a:pPr marL="457200" indent="-457200" algn="l">
@@ -5621,8 +5930,32 @@
             </a:pPr>
             <a:r>
               <a:rPr lang="sk-SK" dirty="0"/>
-              <a:t>Dvojprechodová analýza</a:t>
-            </a:r>
+              <a:t>Top-</a:t>
+            </a:r>
+            <a:r>
+              <a:rPr lang="sk-SK" dirty="0" err="1"/>
+              <a:t>down</a:t>
+            </a:r>
+            <a:r>
+              <a:rPr lang="sk-SK" dirty="0"/>
+              <a:t> </a:t>
+            </a:r>
+            <a:r>
+              <a:rPr lang="sk-SK" dirty="0" err="1"/>
+              <a:t>parser</a:t>
+            </a:r>
+            <a:endParaRPr lang="sk-SK" dirty="0"/>
+          </a:p>
+          <a:p>
+            <a:pPr marL="1200150" lvl="1" indent="-457200">
+              <a:buFont typeface="Arial" panose="020B0604020202020204" pitchFamily="34" charset="0"/>
+              <a:buChar char="•"/>
+            </a:pPr>
+            <a:r>
+              <a:rPr lang="sk-SK" dirty="0"/>
+              <a:t>Rekurzívny zostup</a:t>
+            </a:r>
+            <a:endParaRPr lang="sk-SK" dirty="0"/>
           </a:p>
           <a:p>
             <a:pPr marL="457200" indent="-457200" algn="l">
@@ -5630,12 +5963,8 @@
               <a:buChar char="•"/>
             </a:pPr>
             <a:r>
-              <a:rPr lang="sk-SK" dirty="0"/>
-              <a:t>Top-</a:t>
-            </a:r>
-            <a:r>
               <a:rPr lang="sk-SK" dirty="0" err="1"/>
-              <a:t>down</a:t>
+              <a:t>Bottom-up</a:t>
             </a:r>
             <a:r>
               <a:rPr lang="sk-SK" dirty="0"/>
@@ -5643,18 +5972,7 @@
             </a:r>
             <a:r>
               <a:rPr lang="sk-SK" dirty="0" err="1"/>
-              <a:t>parser</a:t>
-            </a:r>
-            <a:endParaRPr lang="sk-SK" dirty="0"/>
-          </a:p>
-          <a:p>
-            <a:pPr marL="457200" indent="-457200" algn="l">
-              <a:buFont typeface="Arial" panose="020B0604020202020204" pitchFamily="34" charset="0"/>
-              <a:buChar char="•"/>
-            </a:pPr>
-            <a:r>
-              <a:rPr lang="sk-SK" dirty="0" err="1"/>
-              <a:t>Bottom-up</a:t>
+              <a:t>precedenčný</a:t>
             </a:r>
             <a:r>
               <a:rPr lang="sk-SK" dirty="0"/>
@@ -5662,47 +5980,9 @@
             </a:r>
             <a:r>
               <a:rPr lang="sk-SK" dirty="0" err="1"/>
-              <a:t>precedenčný</a:t>
-            </a:r>
-            <a:r>
-              <a:rPr lang="sk-SK" dirty="0"/>
-              <a:t> </a:t>
-            </a:r>
-            <a:r>
-              <a:rPr lang="sk-SK" dirty="0" err="1"/>
               <a:t>parser</a:t>
             </a:r>
             <a:endParaRPr lang="sk-SK" dirty="0"/>
-          </a:p>
-          <a:p>
-            <a:pPr marL="457200" indent="-457200" algn="l">
-              <a:buFont typeface="Arial" panose="020B0604020202020204" pitchFamily="34" charset="0"/>
-              <a:buChar char="•"/>
-            </a:pPr>
-            <a:r>
-              <a:rPr lang="sk-SK" dirty="0"/>
-              <a:t>Simulácia tvorby derivačného stromu</a:t>
-            </a:r>
-          </a:p>
-          <a:p>
-            <a:pPr marL="457200" indent="-457200" algn="l">
-              <a:buFont typeface="Arial" panose="020B0604020202020204" pitchFamily="34" charset="0"/>
-              <a:buChar char="•"/>
-            </a:pPr>
-            <a:r>
-              <a:rPr lang="sk-SK" dirty="0"/>
-              <a:t>Generovanie inštrukcií</a:t>
-            </a:r>
-          </a:p>
-          <a:p>
-            <a:pPr marL="457200" indent="-457200" algn="l">
-              <a:buFont typeface="Arial" panose="020B0604020202020204" pitchFamily="34" charset="0"/>
-              <a:buChar char="•"/>
-            </a:pPr>
-            <a:r>
-              <a:rPr lang="sk-SK" dirty="0"/>
-              <a:t>Výstup : trojadresný kód</a:t>
-            </a:r>
           </a:p>
         </p:txBody>
       </p:sp>
@@ -5714,7 +5994,7 @@
         </p:nvSpPr>
         <p:spPr>
           <a:xfrm>
-            <a:off x="5220072" y="2242634"/>
+            <a:off x="5613987" y="4508133"/>
             <a:ext cx="2592288" cy="715218"/>
           </a:xfrm>
           <a:prstGeom prst="rect">
@@ -5858,7 +6138,7 @@
         </p:nvCxnSpPr>
         <p:spPr>
           <a:xfrm>
-            <a:off x="6516216" y="1379525"/>
+            <a:off x="6910131" y="3645024"/>
             <a:ext cx="0" cy="863109"/>
           </a:xfrm>
           <a:prstGeom prst="straightConnector1">
@@ -5893,7 +6173,7 @@
         </p:nvCxnSpPr>
         <p:spPr>
           <a:xfrm>
-            <a:off x="6516216" y="2957852"/>
+            <a:off x="6910131" y="5223351"/>
             <a:ext cx="0" cy="863109"/>
           </a:xfrm>
           <a:prstGeom prst="straightConnector1">
@@ -5926,7 +6206,7 @@
         </p:nvSpPr>
         <p:spPr>
           <a:xfrm>
-            <a:off x="6781164" y="3204740"/>
+            <a:off x="7175079" y="5470239"/>
             <a:ext cx="1967299" cy="369332"/>
           </a:xfrm>
           <a:prstGeom prst="rect">
@@ -6049,7 +6329,7 @@
         </p:nvSpPr>
         <p:spPr>
           <a:xfrm>
-            <a:off x="6765922" y="1633984"/>
+            <a:off x="7159837" y="3899483"/>
             <a:ext cx="1261011" cy="369332"/>
           </a:xfrm>
           <a:prstGeom prst="rect">
@@ -6196,7 +6476,7 @@
             </a:r>
             <a:r>
               <a:rPr lang="sk-SK" dirty="0"/>
-              <a:t>0</a:t>
+              <a:t>1</a:t>
             </a:r>
           </a:p>
         </p:txBody>
@@ -6205,6 +6485,455 @@
     <p:extLst>
       <p:ext uri="{BB962C8B-B14F-4D97-AF65-F5344CB8AC3E}">
         <p14:creationId xmlns:p14="http://schemas.microsoft.com/office/powerpoint/2010/main" val="1748829049"/>
+      </p:ext>
+    </p:extLst>
+  </p:cSld>
+  <p:clrMapOvr>
+    <a:masterClrMapping/>
+  </p:clrMapOvr>
+</p:sld>
+</file>
+
+<file path=ppt/slides/slide6.xml><?xml version="1.0" encoding="utf-8"?>
+<p:sld xmlns:a="http://schemas.openxmlformats.org/drawingml/2006/main" xmlns:r="http://schemas.openxmlformats.org/officeDocument/2006/relationships" xmlns:p="http://schemas.openxmlformats.org/presentationml/2006/main">
+  <p:cSld>
+    <p:spTree>
+      <p:nvGrpSpPr>
+        <p:cNvPr id="1" name=""/>
+        <p:cNvGrpSpPr/>
+        <p:nvPr/>
+      </p:nvGrpSpPr>
+      <p:grpSpPr>
+        <a:xfrm>
+          <a:off x="0" y="0"/>
+          <a:ext cx="0" cy="0"/>
+          <a:chOff x="0" y="0"/>
+          <a:chExt cx="0" cy="0"/>
+        </a:xfrm>
+      </p:grpSpPr>
+      <p:sp>
+        <p:nvSpPr>
+          <p:cNvPr id="2" name="Nadpis 1"/>
+          <p:cNvSpPr>
+            <a:spLocks noGrp="1"/>
+          </p:cNvSpPr>
+          <p:nvPr>
+            <p:ph type="title"/>
+          </p:nvPr>
+        </p:nvSpPr>
+        <p:spPr/>
+        <p:txBody>
+          <a:bodyPr/>
+          <a:lstStyle/>
+          <a:p>
+            <a:r>
+              <a:rPr lang="sk-SK" dirty="0"/>
+              <a:t>Dvojprechodová analýza</a:t>
+            </a:r>
+          </a:p>
+        </p:txBody>
+      </p:sp>
+      <p:sp>
+        <p:nvSpPr>
+          <p:cNvPr id="3" name="Zástupný objekt pre obsah 2"/>
+          <p:cNvSpPr>
+            <a:spLocks noGrp="1"/>
+          </p:cNvSpPr>
+          <p:nvPr>
+            <p:ph idx="1"/>
+          </p:nvPr>
+        </p:nvSpPr>
+        <p:spPr>
+          <a:xfrm>
+            <a:off x="323528" y="1211310"/>
+            <a:ext cx="8229600" cy="4525963"/>
+          </a:xfrm>
+        </p:spPr>
+        <p:txBody>
+          <a:bodyPr/>
+          <a:lstStyle/>
+          <a:p>
+            <a:pPr marL="457200" indent="-457200" algn="l">
+              <a:buFont typeface="Arial" panose="020B0604020202020204" pitchFamily="34" charset="0"/>
+              <a:buChar char="•"/>
+            </a:pPr>
+            <a:r>
+              <a:rPr lang="sk-SK" dirty="0"/>
+              <a:t>1. prechod</a:t>
+            </a:r>
+          </a:p>
+          <a:p>
+            <a:pPr marL="1200150" lvl="1" indent="-457200">
+              <a:buFont typeface="Arial" panose="020B0604020202020204" pitchFamily="34" charset="0"/>
+              <a:buChar char="•"/>
+            </a:pPr>
+            <a:r>
+              <a:rPr lang="sk-SK" dirty="0"/>
+              <a:t>TS je naplnená statickými symbolmi</a:t>
+            </a:r>
+          </a:p>
+          <a:p>
+            <a:pPr marL="1200150" lvl="1" indent="-457200">
+              <a:buFont typeface="Arial" panose="020B0604020202020204" pitchFamily="34" charset="0"/>
+              <a:buChar char="•"/>
+            </a:pPr>
+            <a:r>
+              <a:rPr lang="sk-SK" dirty="0"/>
+              <a:t>Syntaktická analýza</a:t>
+            </a:r>
+          </a:p>
+          <a:p>
+            <a:pPr marL="457200" indent="-457200" algn="l">
+              <a:buFont typeface="Arial" panose="020B0604020202020204" pitchFamily="34" charset="0"/>
+              <a:buChar char="•"/>
+            </a:pPr>
+            <a:r>
+              <a:rPr lang="sk-SK" dirty="0"/>
+              <a:t>2. prechod</a:t>
+            </a:r>
+          </a:p>
+          <a:p>
+            <a:pPr marL="1200150" lvl="1" indent="-457200">
+              <a:buFont typeface="Arial" panose="020B0604020202020204" pitchFamily="34" charset="0"/>
+              <a:buChar char="•"/>
+            </a:pPr>
+            <a:r>
+              <a:rPr lang="sk-SK" dirty="0"/>
+              <a:t>Sémantická analýza</a:t>
+            </a:r>
+          </a:p>
+          <a:p>
+            <a:pPr marL="1200150" lvl="1" indent="-457200">
+              <a:buFont typeface="Arial" panose="020B0604020202020204" pitchFamily="34" charset="0"/>
+              <a:buChar char="•"/>
+            </a:pPr>
+            <a:r>
+              <a:rPr lang="sk-SK" dirty="0"/>
+              <a:t>Generovanie inštrukcií</a:t>
+            </a:r>
+          </a:p>
+        </p:txBody>
+      </p:sp>
+      <p:sp>
+        <p:nvSpPr>
+          <p:cNvPr id="6" name="Obdĺžnik 5"/>
+          <p:cNvSpPr/>
+          <p:nvPr/>
+        </p:nvSpPr>
+        <p:spPr>
+          <a:xfrm>
+            <a:off x="4932040" y="2708920"/>
+            <a:ext cx="3960440" cy="3143213"/>
+          </a:xfrm>
+          <a:prstGeom prst="rect">
+            <a:avLst/>
+          </a:prstGeom>
+          <a:solidFill>
+            <a:srgbClr val="00B0F0"/>
+          </a:solidFill>
+          <a:ln>
+            <a:noFill/>
+          </a:ln>
+        </p:spPr>
+        <p:style>
+          <a:lnRef idx="3">
+            <a:schemeClr val="lt1"/>
+          </a:lnRef>
+          <a:fillRef idx="1">
+            <a:schemeClr val="accent3"/>
+          </a:fillRef>
+          <a:effectRef idx="1">
+            <a:schemeClr val="accent3"/>
+          </a:effectRef>
+          <a:fontRef idx="minor">
+            <a:schemeClr val="lt1"/>
+          </a:fontRef>
+        </p:style>
+        <p:txBody>
+          <a:bodyPr rtlCol="0" anchor="ctr"/>
+          <a:lstStyle>
+            <a:defPPr>
+              <a:defRPr lang="en-US"/>
+            </a:defPPr>
+            <a:lvl1pPr marL="0" algn="l" defTabSz="914400" rtl="0" eaLnBrk="1" latinLnBrk="0" hangingPunct="1">
+              <a:defRPr sz="1800" kern="1200">
+                <a:solidFill>
+                  <a:schemeClr val="lt1"/>
+                </a:solidFill>
+                <a:latin typeface="+mn-lt"/>
+                <a:ea typeface="+mn-ea"/>
+                <a:cs typeface="+mn-cs"/>
+              </a:defRPr>
+            </a:lvl1pPr>
+            <a:lvl2pPr marL="457200" algn="l" defTabSz="914400" rtl="0" eaLnBrk="1" latinLnBrk="0" hangingPunct="1">
+              <a:defRPr sz="1800" kern="1200">
+                <a:solidFill>
+                  <a:schemeClr val="lt1"/>
+                </a:solidFill>
+                <a:latin typeface="+mn-lt"/>
+                <a:ea typeface="+mn-ea"/>
+                <a:cs typeface="+mn-cs"/>
+              </a:defRPr>
+            </a:lvl2pPr>
+            <a:lvl3pPr marL="914400" algn="l" defTabSz="914400" rtl="0" eaLnBrk="1" latinLnBrk="0" hangingPunct="1">
+              <a:defRPr sz="1800" kern="1200">
+                <a:solidFill>
+                  <a:schemeClr val="lt1"/>
+                </a:solidFill>
+                <a:latin typeface="+mn-lt"/>
+                <a:ea typeface="+mn-ea"/>
+                <a:cs typeface="+mn-cs"/>
+              </a:defRPr>
+            </a:lvl3pPr>
+            <a:lvl4pPr marL="1371600" algn="l" defTabSz="914400" rtl="0" eaLnBrk="1" latinLnBrk="0" hangingPunct="1">
+              <a:defRPr sz="1800" kern="1200">
+                <a:solidFill>
+                  <a:schemeClr val="lt1"/>
+                </a:solidFill>
+                <a:latin typeface="+mn-lt"/>
+                <a:ea typeface="+mn-ea"/>
+                <a:cs typeface="+mn-cs"/>
+              </a:defRPr>
+            </a:lvl4pPr>
+            <a:lvl5pPr marL="1828800" algn="l" defTabSz="914400" rtl="0" eaLnBrk="1" latinLnBrk="0" hangingPunct="1">
+              <a:defRPr sz="1800" kern="1200">
+                <a:solidFill>
+                  <a:schemeClr val="lt1"/>
+                </a:solidFill>
+                <a:latin typeface="+mn-lt"/>
+                <a:ea typeface="+mn-ea"/>
+                <a:cs typeface="+mn-cs"/>
+              </a:defRPr>
+            </a:lvl5pPr>
+            <a:lvl6pPr marL="2286000" algn="l" defTabSz="914400" rtl="0" eaLnBrk="1" latinLnBrk="0" hangingPunct="1">
+              <a:defRPr sz="1800" kern="1200">
+                <a:solidFill>
+                  <a:schemeClr val="lt1"/>
+                </a:solidFill>
+                <a:latin typeface="+mn-lt"/>
+                <a:ea typeface="+mn-ea"/>
+                <a:cs typeface="+mn-cs"/>
+              </a:defRPr>
+            </a:lvl6pPr>
+            <a:lvl7pPr marL="2743200" algn="l" defTabSz="914400" rtl="0" eaLnBrk="1" latinLnBrk="0" hangingPunct="1">
+              <a:defRPr sz="1800" kern="1200">
+                <a:solidFill>
+                  <a:schemeClr val="lt1"/>
+                </a:solidFill>
+                <a:latin typeface="+mn-lt"/>
+                <a:ea typeface="+mn-ea"/>
+                <a:cs typeface="+mn-cs"/>
+              </a:defRPr>
+            </a:lvl7pPr>
+            <a:lvl8pPr marL="3200400" algn="l" defTabSz="914400" rtl="0" eaLnBrk="1" latinLnBrk="0" hangingPunct="1">
+              <a:defRPr sz="1800" kern="1200">
+                <a:solidFill>
+                  <a:schemeClr val="lt1"/>
+                </a:solidFill>
+                <a:latin typeface="+mn-lt"/>
+                <a:ea typeface="+mn-ea"/>
+                <a:cs typeface="+mn-cs"/>
+              </a:defRPr>
+            </a:lvl8pPr>
+            <a:lvl9pPr marL="3657600" algn="l" defTabSz="914400" rtl="0" eaLnBrk="1" latinLnBrk="0" hangingPunct="1">
+              <a:defRPr sz="1800" kern="1200">
+                <a:solidFill>
+                  <a:schemeClr val="lt1"/>
+                </a:solidFill>
+                <a:latin typeface="+mn-lt"/>
+                <a:ea typeface="+mn-ea"/>
+                <a:cs typeface="+mn-cs"/>
+              </a:defRPr>
+            </a:lvl9pPr>
+          </a:lstStyle>
+          <a:p>
+            <a:pPr algn="ctr"/>
+            <a:endParaRPr lang="sk-SK" dirty="0"/>
+          </a:p>
+        </p:txBody>
+      </p:sp>
+      <p:sp>
+        <p:nvSpPr>
+          <p:cNvPr id="7" name="BlokTextu 6"/>
+          <p:cNvSpPr txBox="1"/>
+          <p:nvPr/>
+        </p:nvSpPr>
+        <p:spPr>
+          <a:xfrm>
+            <a:off x="6444208" y="2711962"/>
+            <a:ext cx="1080120" cy="369332"/>
+          </a:xfrm>
+          <a:prstGeom prst="rect">
+            <a:avLst/>
+          </a:prstGeom>
+          <a:noFill/>
+        </p:spPr>
+        <p:txBody>
+          <a:bodyPr wrap="square" rtlCol="0">
+            <a:spAutoFit/>
+          </a:bodyPr>
+          <a:lstStyle/>
+          <a:p>
+            <a:r>
+              <a:rPr lang="sk-SK" dirty="0" err="1">
+                <a:solidFill>
+                  <a:schemeClr val="bg1"/>
+                </a:solidFill>
+              </a:rPr>
+              <a:t>Parser</a:t>
+            </a:r>
+            <a:endParaRPr lang="sk-SK" dirty="0">
+              <a:solidFill>
+                <a:schemeClr val="bg1"/>
+              </a:solidFill>
+            </a:endParaRPr>
+          </a:p>
+        </p:txBody>
+      </p:sp>
+      <p:sp>
+        <p:nvSpPr>
+          <p:cNvPr id="8" name="Obdĺžnik 7"/>
+          <p:cNvSpPr/>
+          <p:nvPr/>
+        </p:nvSpPr>
+        <p:spPr>
+          <a:xfrm>
+            <a:off x="5220072" y="3717032"/>
+            <a:ext cx="1512168" cy="1296144"/>
+          </a:xfrm>
+          <a:prstGeom prst="rect">
+            <a:avLst/>
+          </a:prstGeom>
+          <a:ln>
+            <a:solidFill>
+              <a:schemeClr val="accent2"/>
+            </a:solidFill>
+          </a:ln>
+        </p:spPr>
+        <p:style>
+          <a:lnRef idx="2">
+            <a:schemeClr val="accent1">
+              <a:shade val="50000"/>
+            </a:schemeClr>
+          </a:lnRef>
+          <a:fillRef idx="1">
+            <a:schemeClr val="accent1"/>
+          </a:fillRef>
+          <a:effectRef idx="0">
+            <a:schemeClr val="accent1"/>
+          </a:effectRef>
+          <a:fontRef idx="minor">
+            <a:schemeClr val="lt1"/>
+          </a:fontRef>
+        </p:style>
+        <p:txBody>
+          <a:bodyPr rtlCol="0" anchor="ctr"/>
+          <a:lstStyle/>
+          <a:p>
+            <a:pPr algn="ctr"/>
+            <a:r>
+              <a:rPr lang="sk-SK" dirty="0"/>
+              <a:t>Syntaktická analýza</a:t>
+            </a:r>
+          </a:p>
+        </p:txBody>
+      </p:sp>
+      <p:sp>
+        <p:nvSpPr>
+          <p:cNvPr id="9" name="Obdĺžnik 8"/>
+          <p:cNvSpPr/>
+          <p:nvPr/>
+        </p:nvSpPr>
+        <p:spPr>
+          <a:xfrm>
+            <a:off x="7092280" y="3717032"/>
+            <a:ext cx="1512168" cy="1296144"/>
+          </a:xfrm>
+          <a:prstGeom prst="rect">
+            <a:avLst/>
+          </a:prstGeom>
+          <a:solidFill>
+            <a:schemeClr val="accent5">
+              <a:lumMod val="50000"/>
+            </a:schemeClr>
+          </a:solidFill>
+          <a:ln>
+            <a:solidFill>
+              <a:schemeClr val="accent5">
+                <a:lumMod val="50000"/>
+              </a:schemeClr>
+            </a:solidFill>
+          </a:ln>
+        </p:spPr>
+        <p:style>
+          <a:lnRef idx="2">
+            <a:schemeClr val="accent1">
+              <a:shade val="50000"/>
+            </a:schemeClr>
+          </a:lnRef>
+          <a:fillRef idx="1">
+            <a:schemeClr val="accent1"/>
+          </a:fillRef>
+          <a:effectRef idx="0">
+            <a:schemeClr val="accent1"/>
+          </a:effectRef>
+          <a:fontRef idx="minor">
+            <a:schemeClr val="lt1"/>
+          </a:fontRef>
+        </p:style>
+        <p:txBody>
+          <a:bodyPr rtlCol="0" anchor="ctr"/>
+          <a:lstStyle/>
+          <a:p>
+            <a:pPr algn="ctr"/>
+            <a:r>
+              <a:rPr lang="sk-SK" dirty="0"/>
+              <a:t>Sémantická analýza</a:t>
+            </a:r>
+          </a:p>
+        </p:txBody>
+      </p:sp>
+      <p:sp>
+        <p:nvSpPr>
+          <p:cNvPr id="24" name="BlokTextu 23"/>
+          <p:cNvSpPr txBox="1"/>
+          <p:nvPr/>
+        </p:nvSpPr>
+        <p:spPr>
+          <a:xfrm>
+            <a:off x="8460432" y="33672"/>
+            <a:ext cx="1115616" cy="369332"/>
+          </a:xfrm>
+          <a:prstGeom prst="rect">
+            <a:avLst/>
+          </a:prstGeom>
+          <a:noFill/>
+        </p:spPr>
+        <p:txBody>
+          <a:bodyPr wrap="square" rtlCol="0">
+            <a:spAutoFit/>
+          </a:bodyPr>
+          <a:lstStyle/>
+          <a:p>
+            <a:r>
+              <a:rPr lang="sk-SK" dirty="0"/>
+              <a:t>6</a:t>
+            </a:r>
+            <a:r>
+              <a:rPr lang="en-US" dirty="0"/>
+              <a:t>/1</a:t>
+            </a:r>
+            <a:r>
+              <a:rPr lang="sk-SK" dirty="0"/>
+              <a:t>1</a:t>
+            </a:r>
+          </a:p>
+        </p:txBody>
+      </p:sp>
+    </p:spTree>
+    <p:extLst>
+      <p:ext uri="{BB962C8B-B14F-4D97-AF65-F5344CB8AC3E}">
+        <p14:creationId xmlns:p14="http://schemas.microsoft.com/office/powerpoint/2010/main" val="1221799734"/>
       </p:ext>
     </p:extLst>
   </p:cSld>
@@ -6277,6 +7006,14 @@
               <a:buFont typeface="Arial" panose="020B0604020202020204" pitchFamily="34" charset="0"/>
               <a:buChar char="•"/>
             </a:pPr>
+            <a:r>
+              <a:rPr lang="sk-SK" dirty="0"/>
+              <a:t>Priama súčasť </a:t>
+            </a:r>
+            <a:r>
+              <a:rPr lang="sk-SK" dirty="0" err="1"/>
+              <a:t>parsera</a:t>
+            </a:r>
             <a:endParaRPr lang="sk-SK" dirty="0"/>
           </a:p>
           <a:p>
@@ -6286,13 +7023,16 @@
             </a:pPr>
             <a:r>
               <a:rPr lang="sk-SK" dirty="0"/>
-              <a:t>Priama súčasť </a:t>
+              <a:t>Redukcie typov operácií v </a:t>
             </a:r>
             <a:r>
               <a:rPr lang="sk-SK" dirty="0" err="1"/>
-              <a:t>parsera</a:t>
-            </a:r>
-            <a:endParaRPr lang="sk-SK" dirty="0"/>
+              <a:t>precedenčnej</a:t>
+            </a:r>
+            <a:r>
+              <a:rPr lang="sk-SK" dirty="0"/>
+              <a:t> analýze</a:t>
+            </a:r>
           </a:p>
           <a:p>
             <a:pPr marL="457200" indent="-457200" algn="l">
@@ -6301,15 +7041,15 @@
             </a:pPr>
             <a:r>
               <a:rPr lang="sk-SK" dirty="0"/>
-              <a:t>Realizácia redukcie pomocou </a:t>
+              <a:t>TS je </a:t>
             </a:r>
             <a:r>
               <a:rPr lang="sk-SK" dirty="0" err="1"/>
-              <a:t>precedenčnej</a:t>
+              <a:t>predvyplnená</a:t>
             </a:r>
             <a:r>
               <a:rPr lang="sk-SK" dirty="0"/>
-              <a:t> tabuľky</a:t>
+              <a:t> signatúrami vstavaných funkcií a triedy IFJ16</a:t>
             </a:r>
           </a:p>
           <a:p>
@@ -6318,38 +7058,20 @@
               <a:buChar char="•"/>
             </a:pPr>
             <a:r>
-              <a:rPr lang="sk-SK" dirty="0"/>
-              <a:t>TS je </a:t>
-            </a:r>
-            <a:r>
-              <a:rPr lang="sk-SK" dirty="0" err="1"/>
-              <a:t>prevyplnená</a:t>
-            </a:r>
-            <a:r>
-              <a:rPr lang="sk-SK" dirty="0"/>
-              <a:t> signatúrami </a:t>
-            </a:r>
-            <a:r>
-              <a:rPr lang="sk-SK" dirty="0" err="1"/>
-              <a:t>vstavných</a:t>
-            </a:r>
-            <a:r>
-              <a:rPr lang="sk-SK" dirty="0"/>
-              <a:t> funkcií a triedy IFJ16</a:t>
-            </a:r>
-          </a:p>
-          <a:p>
-            <a:pPr marL="457200" indent="-457200" algn="l">
-              <a:buFont typeface="Arial" panose="020B0604020202020204" pitchFamily="34" charset="0"/>
-              <a:buChar char="•"/>
-            </a:pPr>
-            <a:r>
               <a:rPr lang="sk-SK" dirty="0" err="1"/>
               <a:t>fixStaticVar</a:t>
             </a:r>
             <a:r>
               <a:rPr lang="sk-SK" dirty="0"/>
-              <a:t>()</a:t>
+              <a:t>() – </a:t>
+            </a:r>
+            <a:r>
+              <a:rPr lang="sk-SK" dirty="0" err="1"/>
+              <a:t>flag</a:t>
+            </a:r>
+            <a:r>
+              <a:rPr lang="sk-SK" dirty="0"/>
+              <a:t> v TS</a:t>
             </a:r>
           </a:p>
         </p:txBody>
@@ -6739,7 +7461,7 @@
           <a:p>
             <a:r>
               <a:rPr lang="sk-SK" dirty="0"/>
-              <a:t>6</a:t>
+              <a:t>7</a:t>
             </a:r>
             <a:r>
               <a:rPr lang="en-US" dirty="0"/>
@@ -6747,7 +7469,7 @@
             </a:r>
             <a:r>
               <a:rPr lang="sk-SK" dirty="0"/>
-              <a:t>0</a:t>
+              <a:t>1</a:t>
             </a:r>
           </a:p>
         </p:txBody>
@@ -6830,7 +7552,7 @@
             </a:pPr>
             <a:r>
               <a:rPr lang="sk-SK" dirty="0"/>
-              <a:t>Prekladá trojadresný kód</a:t>
+              <a:t>Vykonáva trojadresný kód</a:t>
             </a:r>
           </a:p>
           <a:p>
@@ -7564,7 +8286,7 @@
           <a:p>
             <a:r>
               <a:rPr lang="sk-SK" dirty="0"/>
-              <a:t>7</a:t>
+              <a:t>8</a:t>
             </a:r>
             <a:r>
               <a:rPr lang="en-US" dirty="0"/>
@@ -7572,7 +8294,7 @@
             </a:r>
             <a:r>
               <a:rPr lang="sk-SK" dirty="0"/>
-              <a:t>0</a:t>
+              <a:t>1</a:t>
             </a:r>
           </a:p>
         </p:txBody>
@@ -7652,7 +8374,7 @@
             </p:nvSpPr>
             <p:spPr>
               <a:xfrm>
-                <a:off x="120787" y="1786871"/>
+                <a:off x="221704" y="1658604"/>
                 <a:ext cx="8229600" cy="4525963"/>
               </a:xfrm>
             </p:spPr>
@@ -7705,10 +8427,24 @@
                   <a:rPr lang="sk-SK" dirty="0"/>
                   <a:t>Časová zložitosť </a:t>
                 </a:r>
+                <a:endParaRPr lang="sk-SK" i="1" dirty="0">
+                  <a:latin typeface="Cambria Math" panose="02040503050406030204" pitchFamily="18" charset="0"/>
+                </a:endParaRPr>
+              </a:p>
+              <a:p>
+                <a:pPr algn="l"/>
+                <a:r>
+                  <a:rPr lang="sk-SK" i="1" dirty="0">
+                    <a:latin typeface="Cambria Math" panose="02040503050406030204" pitchFamily="18" charset="0"/>
+                  </a:rPr>
+                  <a:t>       </a:t>
+                </a:r>
                 <a14:m>
                   <m:oMath xmlns:m="http://schemas.openxmlformats.org/officeDocument/2006/math">
                     <m:r>
-                      <a:rPr lang="sk-SK" i="1"/>
+                      <a:rPr lang="sk-SK" i="1">
+                        <a:latin typeface="Cambria Math" panose="02040503050406030204" pitchFamily="18" charset="0"/>
+                      </a:rPr>
                       <m:t>𝑂</m:t>
                     </m:r>
                     <m:d>
@@ -7721,8 +8457,22 @@
                       </m:dPr>
                       <m:e>
                         <m:r>
-                          <a:rPr lang="sk-SK" i="1"/>
+                          <a:rPr lang="sk-SK" i="1">
+                            <a:latin typeface="Cambria Math" panose="02040503050406030204" pitchFamily="18" charset="0"/>
+                          </a:rPr>
                           <m:t>𝑛</m:t>
+                        </m:r>
+                        <m:r>
+                          <a:rPr lang="sk-SK" b="0" i="1" smtClean="0">
+                            <a:latin typeface="Cambria Math" panose="02040503050406030204" pitchFamily="18" charset="0"/>
+                          </a:rPr>
+                          <m:t>+</m:t>
+                        </m:r>
+                        <m:r>
+                          <a:rPr lang="sk-SK" b="0" i="1" smtClean="0">
+                            <a:latin typeface="Cambria Math" panose="02040503050406030204" pitchFamily="18" charset="0"/>
+                          </a:rPr>
+                          <m:t>𝑚</m:t>
                         </m:r>
                       </m:e>
                     </m:d>
@@ -7763,7 +8513,7 @@
             </p:nvSpPr>
             <p:spPr>
               <a:xfrm>
-                <a:off x="120787" y="1786871"/>
+                <a:off x="221704" y="1658604"/>
                 <a:ext cx="8229600" cy="4525963"/>
               </a:xfrm>
               <a:blipFill>
@@ -7810,8 +8560,8 @@
         </p:blipFill>
         <p:spPr>
           <a:xfrm>
-            <a:off x="4211960" y="2492896"/>
-            <a:ext cx="4907668" cy="3633267"/>
+            <a:off x="4309225" y="2564904"/>
+            <a:ext cx="4852220" cy="3592217"/>
           </a:xfrm>
           <a:prstGeom prst="rect">
             <a:avLst/>
@@ -7881,7 +8631,7 @@
           <a:p>
             <a:r>
               <a:rPr lang="sk-SK" dirty="0"/>
-              <a:t>8</a:t>
+              <a:t>9</a:t>
             </a:r>
             <a:r>
               <a:rPr lang="en-US" dirty="0"/>
@@ -7889,7 +8639,7 @@
             </a:r>
             <a:r>
               <a:rPr lang="sk-SK" dirty="0"/>
-              <a:t>0</a:t>
+              <a:t>1</a:t>
             </a:r>
           </a:p>
         </p:txBody>
